--- a/Machine_Learning_of_Phishing_URL_Data_.pptx
+++ b/Machine_Learning_of_Phishing_URL_Data_.pptx
@@ -5,14 +5,37 @@
     <p:sldMasterId id="2147483648" r:id="rId1"/>
   </p:sldMasterIdLst>
   <p:notesMasterIdLst>
-    <p:notesMasterId r:id="rId7"/>
+    <p:notesMasterId r:id="rId30"/>
   </p:notesMasterIdLst>
   <p:sldIdLst>
     <p:sldId id="256" r:id="rId2"/>
     <p:sldId id="257" r:id="rId3"/>
-    <p:sldId id="259" r:id="rId4"/>
-    <p:sldId id="258" r:id="rId5"/>
-    <p:sldId id="260" r:id="rId6"/>
+    <p:sldId id="261" r:id="rId4"/>
+    <p:sldId id="262" r:id="rId5"/>
+    <p:sldId id="268" r:id="rId6"/>
+    <p:sldId id="263" r:id="rId7"/>
+    <p:sldId id="278" r:id="rId8"/>
+    <p:sldId id="269" r:id="rId9"/>
+    <p:sldId id="271" r:id="rId10"/>
+    <p:sldId id="270" r:id="rId11"/>
+    <p:sldId id="274" r:id="rId12"/>
+    <p:sldId id="275" r:id="rId13"/>
+    <p:sldId id="279" r:id="rId14"/>
+    <p:sldId id="282" r:id="rId15"/>
+    <p:sldId id="281" r:id="rId16"/>
+    <p:sldId id="283" r:id="rId17"/>
+    <p:sldId id="264" r:id="rId18"/>
+    <p:sldId id="273" r:id="rId19"/>
+    <p:sldId id="272" r:id="rId20"/>
+    <p:sldId id="276" r:id="rId21"/>
+    <p:sldId id="277" r:id="rId22"/>
+    <p:sldId id="265" r:id="rId23"/>
+    <p:sldId id="266" r:id="rId24"/>
+    <p:sldId id="280" r:id="rId25"/>
+    <p:sldId id="267" r:id="rId26"/>
+    <p:sldId id="259" r:id="rId27"/>
+    <p:sldId id="258" r:id="rId28"/>
+    <p:sldId id="260" r:id="rId29"/>
   </p:sldIdLst>
   <p:sldSz cx="9144000" cy="5143500" type="screen16x9"/>
   <p:notesSz cx="6858000" cy="9144000"/>
@@ -130,6 +153,14 @@
 </p:presentation>
 </file>
 
+<file path=ppt/revisionInfo.xml><?xml version="1.0" encoding="utf-8"?>
+<p1510:revInfo xmlns:a="http://schemas.openxmlformats.org/drawingml/2006/main" xmlns:r="http://schemas.openxmlformats.org/officeDocument/2006/relationships" xmlns:p1510="http://schemas.microsoft.com/office/powerpoint/2015/10/main">
+  <p1510:revLst>
+    <p1510:client id="{2547943C-568B-2A46-ABAE-DAB533A7F127}" v="4" dt="2024-09-10T21:56:53.681"/>
+  </p1510:revLst>
+</p1510:revInfo>
+</file>
+
 <file path=ppt/changesInfos/changesInfo1.xml><?xml version="1.0" encoding="utf-8"?>
 <pc:chgInfo xmlns:a="http://schemas.openxmlformats.org/drawingml/2006/main" xmlns:r="http://schemas.openxmlformats.org/officeDocument/2006/relationships" xmlns:ac="http://schemas.microsoft.com/office/drawing/2013/main/command" xmlns:pc="http://schemas.microsoft.com/office/powerpoint/2013/main/command">
   <pc:docChgLst>
@@ -154,6 +185,326 @@
           </ac:spMkLst>
         </pc:spChg>
       </pc:sldChg>
+    </pc:docChg>
+  </pc:docChgLst>
+  <pc:docChgLst>
+    <pc:chgData name="Brian Campbell" userId="a27f3cf3f583021c" providerId="LiveId" clId="{2547943C-568B-2A46-ABAE-DAB533A7F127}"/>
+    <pc:docChg chg="custSel addSld delSld modSld modMainMaster">
+      <pc:chgData name="Brian Campbell" userId="a27f3cf3f583021c" providerId="LiveId" clId="{2547943C-568B-2A46-ABAE-DAB533A7F127}" dt="2024-09-10T21:59:33.033" v="37" actId="478"/>
+      <pc:docMkLst>
+        <pc:docMk/>
+      </pc:docMkLst>
+      <pc:sldChg chg="addSp modSp add del">
+        <pc:chgData name="Brian Campbell" userId="a27f3cf3f583021c" providerId="LiveId" clId="{2547943C-568B-2A46-ABAE-DAB533A7F127}" dt="2024-09-10T21:56:53.675" v="35"/>
+        <pc:sldMkLst>
+          <pc:docMk/>
+          <pc:sldMk cId="363920370" sldId="256"/>
+        </pc:sldMkLst>
+        <pc:graphicFrameChg chg="add mod">
+          <ac:chgData name="Brian Campbell" userId="a27f3cf3f583021c" providerId="LiveId" clId="{2547943C-568B-2A46-ABAE-DAB533A7F127}" dt="2024-09-10T01:45:32.013" v="0"/>
+          <ac:graphicFrameMkLst>
+            <pc:docMk/>
+            <pc:sldMk cId="363920370" sldId="256"/>
+            <ac:graphicFrameMk id="4" creationId="{1F899EF7-942C-C415-4EBE-64CB1CC57B78}"/>
+          </ac:graphicFrameMkLst>
+        </pc:graphicFrameChg>
+      </pc:sldChg>
+      <pc:sldChg chg="add del">
+        <pc:chgData name="Brian Campbell" userId="a27f3cf3f583021c" providerId="LiveId" clId="{2547943C-568B-2A46-ABAE-DAB533A7F127}" dt="2024-09-10T21:56:53.675" v="35"/>
+        <pc:sldMkLst>
+          <pc:docMk/>
+          <pc:sldMk cId="4103309497" sldId="257"/>
+        </pc:sldMkLst>
+      </pc:sldChg>
+      <pc:sldChg chg="add del">
+        <pc:chgData name="Brian Campbell" userId="a27f3cf3f583021c" providerId="LiveId" clId="{2547943C-568B-2A46-ABAE-DAB533A7F127}" dt="2024-09-10T21:56:53.675" v="35"/>
+        <pc:sldMkLst>
+          <pc:docMk/>
+          <pc:sldMk cId="4170783713" sldId="258"/>
+        </pc:sldMkLst>
+      </pc:sldChg>
+      <pc:sldChg chg="add del">
+        <pc:chgData name="Brian Campbell" userId="a27f3cf3f583021c" providerId="LiveId" clId="{2547943C-568B-2A46-ABAE-DAB533A7F127}" dt="2024-09-10T21:56:53.675" v="35"/>
+        <pc:sldMkLst>
+          <pc:docMk/>
+          <pc:sldMk cId="1101633878" sldId="259"/>
+        </pc:sldMkLst>
+      </pc:sldChg>
+      <pc:sldChg chg="add del">
+        <pc:chgData name="Brian Campbell" userId="a27f3cf3f583021c" providerId="LiveId" clId="{2547943C-568B-2A46-ABAE-DAB533A7F127}" dt="2024-09-10T21:56:53.675" v="35"/>
+        <pc:sldMkLst>
+          <pc:docMk/>
+          <pc:sldMk cId="109100692" sldId="260"/>
+        </pc:sldMkLst>
+      </pc:sldChg>
+      <pc:sldChg chg="add">
+        <pc:chgData name="Brian Campbell" userId="a27f3cf3f583021c" providerId="LiveId" clId="{2547943C-568B-2A46-ABAE-DAB533A7F127}" dt="2024-09-10T21:56:53.675" v="35"/>
+        <pc:sldMkLst>
+          <pc:docMk/>
+          <pc:sldMk cId="1170720626" sldId="261"/>
+        </pc:sldMkLst>
+      </pc:sldChg>
+      <pc:sldChg chg="add del">
+        <pc:chgData name="Brian Campbell" userId="a27f3cf3f583021c" providerId="LiveId" clId="{2547943C-568B-2A46-ABAE-DAB533A7F127}" dt="2024-09-10T01:45:55.100" v="2" actId="2696"/>
+        <pc:sldMkLst>
+          <pc:docMk/>
+          <pc:sldMk cId="2737450726" sldId="261"/>
+        </pc:sldMkLst>
+      </pc:sldChg>
+      <pc:sldChg chg="add del">
+        <pc:chgData name="Brian Campbell" userId="a27f3cf3f583021c" providerId="LiveId" clId="{2547943C-568B-2A46-ABAE-DAB533A7F127}" dt="2024-09-10T21:56:52.601" v="26" actId="2696"/>
+        <pc:sldMkLst>
+          <pc:docMk/>
+          <pc:sldMk cId="484037354" sldId="262"/>
+        </pc:sldMkLst>
+      </pc:sldChg>
+      <pc:sldChg chg="add">
+        <pc:chgData name="Brian Campbell" userId="a27f3cf3f583021c" providerId="LiveId" clId="{2547943C-568B-2A46-ABAE-DAB533A7F127}" dt="2024-09-10T21:56:53.675" v="35"/>
+        <pc:sldMkLst>
+          <pc:docMk/>
+          <pc:sldMk cId="938482776" sldId="262"/>
+        </pc:sldMkLst>
+      </pc:sldChg>
+      <pc:sldChg chg="add del">
+        <pc:chgData name="Brian Campbell" userId="a27f3cf3f583021c" providerId="LiveId" clId="{2547943C-568B-2A46-ABAE-DAB533A7F127}" dt="2024-09-10T21:56:52.587" v="7" actId="2696"/>
+        <pc:sldMkLst>
+          <pc:docMk/>
+          <pc:sldMk cId="1170720626" sldId="263"/>
+        </pc:sldMkLst>
+      </pc:sldChg>
+      <pc:sldChg chg="add">
+        <pc:chgData name="Brian Campbell" userId="a27f3cf3f583021c" providerId="LiveId" clId="{2547943C-568B-2A46-ABAE-DAB533A7F127}" dt="2024-09-10T21:56:53.675" v="35"/>
+        <pc:sldMkLst>
+          <pc:docMk/>
+          <pc:sldMk cId="2869919888" sldId="263"/>
+        </pc:sldMkLst>
+      </pc:sldChg>
+      <pc:sldChg chg="add del">
+        <pc:chgData name="Brian Campbell" userId="a27f3cf3f583021c" providerId="LiveId" clId="{2547943C-568B-2A46-ABAE-DAB533A7F127}" dt="2024-09-10T21:56:52.609" v="29" actId="2696"/>
+        <pc:sldMkLst>
+          <pc:docMk/>
+          <pc:sldMk cId="938482776" sldId="264"/>
+        </pc:sldMkLst>
+      </pc:sldChg>
+      <pc:sldChg chg="add">
+        <pc:chgData name="Brian Campbell" userId="a27f3cf3f583021c" providerId="LiveId" clId="{2547943C-568B-2A46-ABAE-DAB533A7F127}" dt="2024-09-10T21:56:53.675" v="35"/>
+        <pc:sldMkLst>
+          <pc:docMk/>
+          <pc:sldMk cId="3090040600" sldId="264"/>
+        </pc:sldMkLst>
+      </pc:sldChg>
+      <pc:sldChg chg="add del">
+        <pc:chgData name="Brian Campbell" userId="a27f3cf3f583021c" providerId="LiveId" clId="{2547943C-568B-2A46-ABAE-DAB533A7F127}" dt="2024-09-10T21:56:53.675" v="35"/>
+        <pc:sldMkLst>
+          <pc:docMk/>
+          <pc:sldMk cId="1673690182" sldId="265"/>
+        </pc:sldMkLst>
+      </pc:sldChg>
+      <pc:sldChg chg="add del">
+        <pc:chgData name="Brian Campbell" userId="a27f3cf3f583021c" providerId="LiveId" clId="{2547943C-568B-2A46-ABAE-DAB533A7F127}" dt="2024-09-10T21:56:53.675" v="35"/>
+        <pc:sldMkLst>
+          <pc:docMk/>
+          <pc:sldMk cId="2880679454" sldId="266"/>
+        </pc:sldMkLst>
+      </pc:sldChg>
+      <pc:sldChg chg="add del">
+        <pc:chgData name="Brian Campbell" userId="a27f3cf3f583021c" providerId="LiveId" clId="{2547943C-568B-2A46-ABAE-DAB533A7F127}" dt="2024-09-10T21:56:53.675" v="35"/>
+        <pc:sldMkLst>
+          <pc:docMk/>
+          <pc:sldMk cId="3473429987" sldId="267"/>
+        </pc:sldMkLst>
+      </pc:sldChg>
+      <pc:sldChg chg="add del">
+        <pc:chgData name="Brian Campbell" userId="a27f3cf3f583021c" providerId="LiveId" clId="{2547943C-568B-2A46-ABAE-DAB533A7F127}" dt="2024-09-10T21:56:53.675" v="35"/>
+        <pc:sldMkLst>
+          <pc:docMk/>
+          <pc:sldMk cId="1764116639" sldId="268"/>
+        </pc:sldMkLst>
+      </pc:sldChg>
+      <pc:sldChg chg="add">
+        <pc:chgData name="Brian Campbell" userId="a27f3cf3f583021c" providerId="LiveId" clId="{2547943C-568B-2A46-ABAE-DAB533A7F127}" dt="2024-09-10T21:56:53.675" v="35"/>
+        <pc:sldMkLst>
+          <pc:docMk/>
+          <pc:sldMk cId="2785227868" sldId="269"/>
+        </pc:sldMkLst>
+      </pc:sldChg>
+      <pc:sldChg chg="add del">
+        <pc:chgData name="Brian Campbell" userId="a27f3cf3f583021c" providerId="LiveId" clId="{2547943C-568B-2A46-ABAE-DAB533A7F127}" dt="2024-09-10T21:56:52.590" v="14" actId="2696"/>
+        <pc:sldMkLst>
+          <pc:docMk/>
+          <pc:sldMk cId="2869919888" sldId="269"/>
+        </pc:sldMkLst>
+      </pc:sldChg>
+      <pc:sldChg chg="add del">
+        <pc:chgData name="Brian Campbell" userId="a27f3cf3f583021c" providerId="LiveId" clId="{2547943C-568B-2A46-ABAE-DAB533A7F127}" dt="2024-09-10T21:56:53.675" v="35"/>
+        <pc:sldMkLst>
+          <pc:docMk/>
+          <pc:sldMk cId="2449821939" sldId="270"/>
+        </pc:sldMkLst>
+      </pc:sldChg>
+      <pc:sldChg chg="add del">
+        <pc:chgData name="Brian Campbell" userId="a27f3cf3f583021c" providerId="LiveId" clId="{2547943C-568B-2A46-ABAE-DAB533A7F127}" dt="2024-09-10T21:56:53.675" v="35"/>
+        <pc:sldMkLst>
+          <pc:docMk/>
+          <pc:sldMk cId="2107057189" sldId="271"/>
+        </pc:sldMkLst>
+      </pc:sldChg>
+      <pc:sldChg chg="add del">
+        <pc:chgData name="Brian Campbell" userId="a27f3cf3f583021c" providerId="LiveId" clId="{2547943C-568B-2A46-ABAE-DAB533A7F127}" dt="2024-09-10T21:56:53.675" v="35"/>
+        <pc:sldMkLst>
+          <pc:docMk/>
+          <pc:sldMk cId="1457223093" sldId="272"/>
+        </pc:sldMkLst>
+      </pc:sldChg>
+      <pc:sldChg chg="add del">
+        <pc:chgData name="Brian Campbell" userId="a27f3cf3f583021c" providerId="LiveId" clId="{2547943C-568B-2A46-ABAE-DAB533A7F127}" dt="2024-09-10T21:56:53.675" v="35"/>
+        <pc:sldMkLst>
+          <pc:docMk/>
+          <pc:sldMk cId="635371012" sldId="273"/>
+        </pc:sldMkLst>
+      </pc:sldChg>
+      <pc:sldChg chg="add del">
+        <pc:chgData name="Brian Campbell" userId="a27f3cf3f583021c" providerId="LiveId" clId="{2547943C-568B-2A46-ABAE-DAB533A7F127}" dt="2024-09-10T21:56:53.675" v="35"/>
+        <pc:sldMkLst>
+          <pc:docMk/>
+          <pc:sldMk cId="2888725068" sldId="274"/>
+        </pc:sldMkLst>
+      </pc:sldChg>
+      <pc:sldChg chg="add del">
+        <pc:chgData name="Brian Campbell" userId="a27f3cf3f583021c" providerId="LiveId" clId="{2547943C-568B-2A46-ABAE-DAB533A7F127}" dt="2024-09-10T21:56:53.675" v="35"/>
+        <pc:sldMkLst>
+          <pc:docMk/>
+          <pc:sldMk cId="3838637697" sldId="275"/>
+        </pc:sldMkLst>
+      </pc:sldChg>
+      <pc:sldChg chg="add del">
+        <pc:chgData name="Brian Campbell" userId="a27f3cf3f583021c" providerId="LiveId" clId="{2547943C-568B-2A46-ABAE-DAB533A7F127}" dt="2024-09-10T21:56:53.675" v="35"/>
+        <pc:sldMkLst>
+          <pc:docMk/>
+          <pc:sldMk cId="1808330650" sldId="276"/>
+        </pc:sldMkLst>
+      </pc:sldChg>
+      <pc:sldChg chg="add del">
+        <pc:chgData name="Brian Campbell" userId="a27f3cf3f583021c" providerId="LiveId" clId="{2547943C-568B-2A46-ABAE-DAB533A7F127}" dt="2024-09-10T21:56:53.675" v="35"/>
+        <pc:sldMkLst>
+          <pc:docMk/>
+          <pc:sldMk cId="1641937556" sldId="277"/>
+        </pc:sldMkLst>
+      </pc:sldChg>
+      <pc:sldChg chg="add del">
+        <pc:chgData name="Brian Campbell" userId="a27f3cf3f583021c" providerId="LiveId" clId="{2547943C-568B-2A46-ABAE-DAB533A7F127}" dt="2024-09-10T21:56:53.675" v="35"/>
+        <pc:sldMkLst>
+          <pc:docMk/>
+          <pc:sldMk cId="3483710927" sldId="278"/>
+        </pc:sldMkLst>
+      </pc:sldChg>
+      <pc:sldChg chg="add">
+        <pc:chgData name="Brian Campbell" userId="a27f3cf3f583021c" providerId="LiveId" clId="{2547943C-568B-2A46-ABAE-DAB533A7F127}" dt="2024-09-10T21:56:53.675" v="35"/>
+        <pc:sldMkLst>
+          <pc:docMk/>
+          <pc:sldMk cId="30760112" sldId="279"/>
+        </pc:sldMkLst>
+      </pc:sldChg>
+      <pc:sldChg chg="add del">
+        <pc:chgData name="Brian Campbell" userId="a27f3cf3f583021c" providerId="LiveId" clId="{2547943C-568B-2A46-ABAE-DAB533A7F127}" dt="2024-09-10T21:56:52.602" v="28" actId="2696"/>
+        <pc:sldMkLst>
+          <pc:docMk/>
+          <pc:sldMk cId="2785227868" sldId="279"/>
+        </pc:sldMkLst>
+      </pc:sldChg>
+      <pc:sldChg chg="add del">
+        <pc:chgData name="Brian Campbell" userId="a27f3cf3f583021c" providerId="LiveId" clId="{2547943C-568B-2A46-ABAE-DAB533A7F127}" dt="2024-09-10T21:56:52.593" v="20" actId="2696"/>
+        <pc:sldMkLst>
+          <pc:docMk/>
+          <pc:sldMk cId="30760112" sldId="280"/>
+        </pc:sldMkLst>
+      </pc:sldChg>
+      <pc:sldChg chg="add">
+        <pc:chgData name="Brian Campbell" userId="a27f3cf3f583021c" providerId="LiveId" clId="{2547943C-568B-2A46-ABAE-DAB533A7F127}" dt="2024-09-10T21:56:53.675" v="35"/>
+        <pc:sldMkLst>
+          <pc:docMk/>
+          <pc:sldMk cId="3305554935" sldId="280"/>
+        </pc:sldMkLst>
+      </pc:sldChg>
+      <pc:sldChg chg="add del">
+        <pc:chgData name="Brian Campbell" userId="a27f3cf3f583021c" providerId="LiveId" clId="{2547943C-568B-2A46-ABAE-DAB533A7F127}" dt="2024-09-10T21:56:53.675" v="35"/>
+        <pc:sldMkLst>
+          <pc:docMk/>
+          <pc:sldMk cId="2335502257" sldId="281"/>
+        </pc:sldMkLst>
+      </pc:sldChg>
+      <pc:sldChg chg="modSp add del mod">
+        <pc:chgData name="Brian Campbell" userId="a27f3cf3f583021c" providerId="LiveId" clId="{2547943C-568B-2A46-ABAE-DAB533A7F127}" dt="2024-09-10T21:57:43.280" v="36" actId="14100"/>
+        <pc:sldMkLst>
+          <pc:docMk/>
+          <pc:sldMk cId="2388556330" sldId="282"/>
+        </pc:sldMkLst>
+        <pc:picChg chg="mod">
+          <ac:chgData name="Brian Campbell" userId="a27f3cf3f583021c" providerId="LiveId" clId="{2547943C-568B-2A46-ABAE-DAB533A7F127}" dt="2024-09-10T21:57:43.280" v="36" actId="14100"/>
+          <ac:picMkLst>
+            <pc:docMk/>
+            <pc:sldMk cId="2388556330" sldId="282"/>
+            <ac:picMk id="9" creationId="{F74F4A74-5A2F-085A-C939-7B397ECA90A3}"/>
+          </ac:picMkLst>
+        </pc:picChg>
+      </pc:sldChg>
+      <pc:sldChg chg="add del">
+        <pc:chgData name="Brian Campbell" userId="a27f3cf3f583021c" providerId="LiveId" clId="{2547943C-568B-2A46-ABAE-DAB533A7F127}" dt="2024-09-10T21:56:53.675" v="35"/>
+        <pc:sldMkLst>
+          <pc:docMk/>
+          <pc:sldMk cId="724179986" sldId="283"/>
+        </pc:sldMkLst>
+      </pc:sldChg>
+      <pc:sldChg chg="add del">
+        <pc:chgData name="Brian Campbell" userId="a27f3cf3f583021c" providerId="LiveId" clId="{2547943C-568B-2A46-ABAE-DAB533A7F127}" dt="2024-09-10T21:56:52.601" v="27" actId="2696"/>
+        <pc:sldMkLst>
+          <pc:docMk/>
+          <pc:sldMk cId="3090040600" sldId="284"/>
+        </pc:sldMkLst>
+      </pc:sldChg>
+      <pc:sldChg chg="add del">
+        <pc:chgData name="Brian Campbell" userId="a27f3cf3f583021c" providerId="LiveId" clId="{2547943C-568B-2A46-ABAE-DAB533A7F127}" dt="2024-09-10T21:56:52.623" v="33" actId="2696"/>
+        <pc:sldMkLst>
+          <pc:docMk/>
+          <pc:sldMk cId="3305554935" sldId="285"/>
+        </pc:sldMkLst>
+      </pc:sldChg>
+      <pc:sldChg chg="add del">
+        <pc:chgData name="Brian Campbell" userId="a27f3cf3f583021c" providerId="LiveId" clId="{2547943C-568B-2A46-ABAE-DAB533A7F127}" dt="2024-09-10T21:56:52.587" v="8" actId="2696"/>
+        <pc:sldMkLst>
+          <pc:docMk/>
+          <pc:sldMk cId="1492051811" sldId="286"/>
+        </pc:sldMkLst>
+      </pc:sldChg>
+      <pc:sldChg chg="add del">
+        <pc:chgData name="Brian Campbell" userId="a27f3cf3f583021c" providerId="LiveId" clId="{2547943C-568B-2A46-ABAE-DAB533A7F127}" dt="2024-09-10T21:56:52.595" v="25" actId="2696"/>
+        <pc:sldMkLst>
+          <pc:docMk/>
+          <pc:sldMk cId="3475617174" sldId="287"/>
+        </pc:sldMkLst>
+      </pc:sldChg>
+      <pc:sldChg chg="add del">
+        <pc:chgData name="Brian Campbell" userId="a27f3cf3f583021c" providerId="LiveId" clId="{2547943C-568B-2A46-ABAE-DAB533A7F127}" dt="2024-09-10T21:56:52.588" v="10" actId="2696"/>
+        <pc:sldMkLst>
+          <pc:docMk/>
+          <pc:sldMk cId="2204315741" sldId="288"/>
+        </pc:sldMkLst>
+      </pc:sldChg>
+      <pc:sldMasterChg chg="delSp mod">
+        <pc:chgData name="Brian Campbell" userId="a27f3cf3f583021c" providerId="LiveId" clId="{2547943C-568B-2A46-ABAE-DAB533A7F127}" dt="2024-09-10T21:59:33.033" v="37" actId="478"/>
+        <pc:sldMasterMkLst>
+          <pc:docMk/>
+          <pc:sldMasterMk cId="1944039382" sldId="2147483648"/>
+        </pc:sldMasterMkLst>
+        <pc:spChg chg="del">
+          <ac:chgData name="Brian Campbell" userId="a27f3cf3f583021c" providerId="LiveId" clId="{2547943C-568B-2A46-ABAE-DAB533A7F127}" dt="2024-09-10T21:59:33.033" v="37" actId="478"/>
+          <ac:spMkLst>
+            <pc:docMk/>
+            <pc:sldMasterMk cId="1944039382" sldId="2147483648"/>
+            <ac:spMk id="7" creationId="{11E867DF-3DCA-4725-94F0-F2B6BD747A82}"/>
+          </ac:spMkLst>
+        </pc:spChg>
+      </pc:sldMasterChg>
     </pc:docChg>
   </pc:docChgLst>
 </pc:chgInfo>
@@ -241,7 +592,7 @@
           <a:p>
             <a:fld id="{C8D18E60-4300-4729-A0D7-6AB984C3922D}" type="datetimeFigureOut">
               <a:rPr lang="en-US" smtClean="0"/>
-              <a:t>9/9/24</a:t>
+              <a:t>9/10/24</a:t>
             </a:fld>
             <a:endParaRPr lang="en-US"/>
           </a:p>
@@ -552,6 +903,90 @@
           <a:bodyPr/>
           <a:lstStyle/>
           <a:p>
+            <a:endParaRPr lang="en-US" dirty="0"/>
+          </a:p>
+        </p:txBody>
+      </p:sp>
+      <p:sp>
+        <p:nvSpPr>
+          <p:cNvPr id="4" name="Slide Number Placeholder 3"/>
+          <p:cNvSpPr>
+            <a:spLocks noGrp="1"/>
+          </p:cNvSpPr>
+          <p:nvPr>
+            <p:ph type="sldNum" sz="quarter" idx="5"/>
+          </p:nvPr>
+        </p:nvSpPr>
+        <p:spPr/>
+        <p:txBody>
+          <a:bodyPr/>
+          <a:lstStyle/>
+          <a:p>
+            <a:fld id="{AF533E96-F078-4B3D-A8F4-F1AF21EBC357}" type="slidenum">
+              <a:rPr lang="en-US" smtClean="0"/>
+              <a:t>7</a:t>
+            </a:fld>
+            <a:endParaRPr lang="en-US"/>
+          </a:p>
+        </p:txBody>
+      </p:sp>
+    </p:spTree>
+    <p:extLst>
+      <p:ext uri="{BB962C8B-B14F-4D97-AF65-F5344CB8AC3E}">
+        <p14:creationId xmlns:p14="http://schemas.microsoft.com/office/powerpoint/2010/main" val="2111296223"/>
+      </p:ext>
+    </p:extLst>
+  </p:cSld>
+  <p:clrMapOvr>
+    <a:masterClrMapping/>
+  </p:clrMapOvr>
+</p:notes>
+</file>
+
+<file path=ppt/notesSlides/notesSlide2.xml><?xml version="1.0" encoding="utf-8"?>
+<p:notes xmlns:a="http://schemas.openxmlformats.org/drawingml/2006/main" xmlns:r="http://schemas.openxmlformats.org/officeDocument/2006/relationships" xmlns:p="http://schemas.openxmlformats.org/presentationml/2006/main">
+  <p:cSld>
+    <p:spTree>
+      <p:nvGrpSpPr>
+        <p:cNvPr id="1" name=""/>
+        <p:cNvGrpSpPr/>
+        <p:nvPr/>
+      </p:nvGrpSpPr>
+      <p:grpSpPr>
+        <a:xfrm>
+          <a:off x="0" y="0"/>
+          <a:ext cx="0" cy="0"/>
+          <a:chOff x="0" y="0"/>
+          <a:chExt cx="0" cy="0"/>
+        </a:xfrm>
+      </p:grpSpPr>
+      <p:sp>
+        <p:nvSpPr>
+          <p:cNvPr id="2" name="Slide Image Placeholder 1"/>
+          <p:cNvSpPr>
+            <a:spLocks noGrp="1" noRot="1" noChangeAspect="1"/>
+          </p:cNvSpPr>
+          <p:nvPr>
+            <p:ph type="sldImg"/>
+          </p:nvPr>
+        </p:nvSpPr>
+        <p:spPr/>
+      </p:sp>
+      <p:sp>
+        <p:nvSpPr>
+          <p:cNvPr id="3" name="Notes Placeholder 2"/>
+          <p:cNvSpPr>
+            <a:spLocks noGrp="1"/>
+          </p:cNvSpPr>
+          <p:nvPr>
+            <p:ph type="body" idx="1"/>
+          </p:nvPr>
+        </p:nvSpPr>
+        <p:spPr/>
+        <p:txBody>
+          <a:bodyPr/>
+          <a:lstStyle/>
+          <a:p>
             <a:endParaRPr lang="en-US"/>
           </a:p>
         </p:txBody>
@@ -573,7 +1008,7 @@
           <a:p>
             <a:fld id="{87350B06-B074-48FC-8CFD-53D2CD8FB95F}" type="slidenum">
               <a:rPr lang="en-US" smtClean="0"/>
-              <a:t>5</a:t>
+              <a:t>28</a:t>
             </a:fld>
             <a:endParaRPr lang="en-US"/>
           </a:p>
@@ -813,7 +1248,7 @@
             <a:fld id="{53074F12-AA26-4AC8-9962-C36BB8F32554}" type="datetimeFigureOut">
               <a:rPr lang="en-US" smtClean="0"/>
               <a:pPr/>
-              <a:t>9/9/24</a:t>
+              <a:t>9/10/24</a:t>
             </a:fld>
             <a:endParaRPr lang="en-US"/>
           </a:p>
@@ -1067,7 +1502,7 @@
             <a:fld id="{53074F12-AA26-4AC8-9962-C36BB8F32554}" type="datetimeFigureOut">
               <a:rPr lang="en-US" smtClean="0"/>
               <a:pPr/>
-              <a:t>9/9/24</a:t>
+              <a:t>9/10/24</a:t>
             </a:fld>
             <a:endParaRPr lang="en-US"/>
           </a:p>
@@ -1237,7 +1672,7 @@
             <a:fld id="{53074F12-AA26-4AC8-9962-C36BB8F32554}" type="datetimeFigureOut">
               <a:rPr lang="en-US" smtClean="0"/>
               <a:pPr/>
-              <a:t>9/9/24</a:t>
+              <a:t>9/10/24</a:t>
             </a:fld>
             <a:endParaRPr lang="en-US"/>
           </a:p>
@@ -1417,7 +1852,7 @@
             <a:fld id="{53074F12-AA26-4AC8-9962-C36BB8F32554}" type="datetimeFigureOut">
               <a:rPr lang="en-US" smtClean="0"/>
               <a:pPr/>
-              <a:t>9/9/24</a:t>
+              <a:t>9/10/24</a:t>
             </a:fld>
             <a:endParaRPr lang="en-US"/>
           </a:p>
@@ -1709,7 +2144,7 @@
             <a:fld id="{53074F12-AA26-4AC8-9962-C36BB8F32554}" type="datetimeFigureOut">
               <a:rPr lang="en-US" smtClean="0"/>
               <a:pPr/>
-              <a:t>9/9/24</a:t>
+              <a:t>9/10/24</a:t>
             </a:fld>
             <a:endParaRPr lang="en-US"/>
           </a:p>
@@ -1956,7 +2391,7 @@
             <a:fld id="{53074F12-AA26-4AC8-9962-C36BB8F32554}" type="datetimeFigureOut">
               <a:rPr lang="en-US" smtClean="0"/>
               <a:pPr/>
-              <a:t>9/9/24</a:t>
+              <a:t>9/10/24</a:t>
             </a:fld>
             <a:endParaRPr lang="en-US"/>
           </a:p>
@@ -2203,7 +2638,7 @@
             <a:fld id="{53074F12-AA26-4AC8-9962-C36BB8F32554}" type="datetimeFigureOut">
               <a:rPr lang="en-US" smtClean="0"/>
               <a:pPr/>
-              <a:t>9/9/24</a:t>
+              <a:t>9/10/24</a:t>
             </a:fld>
             <a:endParaRPr lang="en-US"/>
           </a:p>
@@ -2490,7 +2925,7 @@
             <a:fld id="{53074F12-AA26-4AC8-9962-C36BB8F32554}" type="datetimeFigureOut">
               <a:rPr lang="en-US" smtClean="0"/>
               <a:pPr/>
-              <a:t>9/9/24</a:t>
+              <a:t>9/10/24</a:t>
             </a:fld>
             <a:endParaRPr lang="en-US"/>
           </a:p>
@@ -3001,7 +3436,7 @@
             <a:fld id="{53074F12-AA26-4AC8-9962-C36BB8F32554}" type="datetimeFigureOut">
               <a:rPr lang="en-US" smtClean="0"/>
               <a:pPr/>
-              <a:t>9/9/24</a:t>
+              <a:t>9/10/24</a:t>
             </a:fld>
             <a:endParaRPr lang="en-US"/>
           </a:p>
@@ -3120,7 +3555,7 @@
             <a:fld id="{53074F12-AA26-4AC8-9962-C36BB8F32554}" type="datetimeFigureOut">
               <a:rPr lang="en-US" smtClean="0"/>
               <a:pPr/>
-              <a:t>9/9/24</a:t>
+              <a:t>9/10/24</a:t>
             </a:fld>
             <a:endParaRPr lang="en-US"/>
           </a:p>
@@ -3217,7 +3652,7 @@
             <a:fld id="{53074F12-AA26-4AC8-9962-C36BB8F32554}" type="datetimeFigureOut">
               <a:rPr lang="en-US" smtClean="0"/>
               <a:pPr/>
-              <a:t>9/9/24</a:t>
+              <a:t>9/10/24</a:t>
             </a:fld>
             <a:endParaRPr lang="en-US"/>
           </a:p>
@@ -3494,7 +3929,7 @@
             <a:fld id="{53074F12-AA26-4AC8-9962-C36BB8F32554}" type="datetimeFigureOut">
               <a:rPr lang="en-US" smtClean="0"/>
               <a:pPr/>
-              <a:t>9/9/24</a:t>
+              <a:t>9/10/24</a:t>
             </a:fld>
             <a:endParaRPr lang="en-US"/>
           </a:p>
@@ -3716,7 +4151,7 @@
             <a:fld id="{53074F12-AA26-4AC8-9962-C36BB8F32554}" type="datetimeFigureOut">
               <a:rPr lang="en-US" smtClean="0"/>
               <a:pPr/>
-              <a:t>9/9/24</a:t>
+              <a:t>9/10/24</a:t>
             </a:fld>
             <a:endParaRPr lang="en-US"/>
           </a:p>
@@ -3798,59 +4233,6 @@
               <a:t>‹#›</a:t>
             </a:fld>
             <a:endParaRPr lang="en-US"/>
-          </a:p>
-        </p:txBody>
-      </p:sp>
-      <p:sp>
-        <p:nvSpPr>
-          <p:cNvPr id="7" name="TextBox 6">
-            <a:extLst>
-              <a:ext uri="{FF2B5EF4-FFF2-40B4-BE49-F238E27FC236}">
-                <a16:creationId xmlns:a16="http://schemas.microsoft.com/office/drawing/2014/main" id="{11E867DF-3DCA-4725-94F0-F2B6BD747A82}"/>
-              </a:ext>
-            </a:extLst>
-          </p:cNvPr>
-          <p:cNvSpPr txBox="1"/>
-          <p:nvPr userDrawn="1"/>
-        </p:nvSpPr>
-        <p:spPr>
-          <a:xfrm>
-            <a:off x="-9150" y="5213747"/>
-            <a:ext cx="8389625" cy="523220"/>
-          </a:xfrm>
-          <a:prstGeom prst="rect">
-            <a:avLst/>
-          </a:prstGeom>
-          <a:noFill/>
-        </p:spPr>
-        <p:txBody>
-          <a:bodyPr wrap="square" rtlCol="0">
-            <a:spAutoFit/>
-          </a:bodyPr>
-          <a:lstStyle/>
-          <a:p>
-            <a:r>
-              <a:rPr lang="en-US" sz="1400" dirty="0">
-                <a:solidFill>
-                  <a:schemeClr val="bg1">
-                    <a:lumMod val="65000"/>
-                  </a:schemeClr>
-                </a:solidFill>
-              </a:rPr>
-              <a:t>This presentation uses a free template provided by FPPT.com</a:t>
-            </a:r>
-          </a:p>
-          <a:p>
-            <a:r>
-              <a:rPr lang="en-US" sz="1400" dirty="0">
-                <a:solidFill>
-                  <a:schemeClr val="bg1">
-                    <a:lumMod val="65000"/>
-                  </a:schemeClr>
-                </a:solidFill>
-              </a:rPr>
-              <a:t>www.free-power-point-templates.com</a:t>
-            </a:r>
           </a:p>
         </p:txBody>
       </p:sp>
@@ -4164,10 +4546,16 @@
           <a:lstStyle/>
           <a:p>
             <a:r>
-              <a:rPr lang="en-US"/>
-              <a:t>Machine Learning of Phishing URL Data</a:t>
-            </a:r>
-            <a:endParaRPr lang="en-US" dirty="0"/>
+              <a:rPr lang="en-US" dirty="0"/>
+              <a:t>Machine Learning of</a:t>
+            </a:r>
+            <a:br>
+              <a:rPr lang="en-US" dirty="0"/>
+            </a:br>
+            <a:r>
+              <a:rPr lang="en-US" dirty="0"/>
+              <a:t>Phishing URL Data</a:t>
+            </a:r>
           </a:p>
         </p:txBody>
       </p:sp>
@@ -4181,14 +4569,27 @@
             <p:ph type="subTitle" idx="1"/>
           </p:nvPr>
         </p:nvSpPr>
-        <p:spPr/>
-        <p:txBody>
-          <a:bodyPr/>
+        <p:spPr>
+          <a:xfrm>
+            <a:off x="2282148" y="4098799"/>
+            <a:ext cx="6398640" cy="763526"/>
+          </a:xfrm>
+        </p:spPr>
+        <p:txBody>
+          <a:bodyPr>
+            <a:normAutofit fontScale="85000" lnSpcReduction="20000"/>
+          </a:bodyPr>
           <a:lstStyle/>
           <a:p>
             <a:r>
               <a:rPr lang="en-US" dirty="0"/>
-              <a:t>FPPT.com</a:t>
+              <a:t>Vu Pham</a:t>
+            </a:r>
+          </a:p>
+          <a:p>
+            <a:r>
+              <a:rPr lang="en-US" dirty="0"/>
+              <a:t>Brian E Campbell</a:t>
             </a:r>
           </a:p>
         </p:txBody>
@@ -4197,6 +4598,2377 @@
     <p:extLst>
       <p:ext uri="{BB962C8B-B14F-4D97-AF65-F5344CB8AC3E}">
         <p14:creationId xmlns:p14="http://schemas.microsoft.com/office/powerpoint/2010/main" val="363920370"/>
+      </p:ext>
+    </p:extLst>
+  </p:cSld>
+  <p:clrMapOvr>
+    <a:masterClrMapping/>
+  </p:clrMapOvr>
+</p:sld>
+</file>
+
+<file path=ppt/slides/slide10.xml><?xml version="1.0" encoding="utf-8"?>
+<p:sld xmlns:a="http://schemas.openxmlformats.org/drawingml/2006/main" xmlns:r="http://schemas.openxmlformats.org/officeDocument/2006/relationships" xmlns:p="http://schemas.openxmlformats.org/presentationml/2006/main">
+  <p:cSld>
+    <p:spTree>
+      <p:nvGrpSpPr>
+        <p:cNvPr id="1" name=""/>
+        <p:cNvGrpSpPr/>
+        <p:nvPr/>
+      </p:nvGrpSpPr>
+      <p:grpSpPr>
+        <a:xfrm>
+          <a:off x="0" y="0"/>
+          <a:ext cx="0" cy="0"/>
+          <a:chOff x="0" y="0"/>
+          <a:chExt cx="0" cy="0"/>
+        </a:xfrm>
+      </p:grpSpPr>
+      <p:sp>
+        <p:nvSpPr>
+          <p:cNvPr id="2" name="Title 1">
+            <a:extLst>
+              <a:ext uri="{FF2B5EF4-FFF2-40B4-BE49-F238E27FC236}">
+                <a16:creationId xmlns:a16="http://schemas.microsoft.com/office/drawing/2014/main" id="{14106661-6219-88CE-E4AA-1BB1153AE203}"/>
+              </a:ext>
+            </a:extLst>
+          </p:cNvPr>
+          <p:cNvSpPr>
+            <a:spLocks noGrp="1"/>
+          </p:cNvSpPr>
+          <p:nvPr>
+            <p:ph type="title"/>
+          </p:nvPr>
+        </p:nvSpPr>
+        <p:spPr/>
+        <p:txBody>
+          <a:bodyPr>
+            <a:normAutofit/>
+          </a:bodyPr>
+          <a:lstStyle/>
+          <a:p>
+            <a:r>
+              <a:rPr lang="en-US" dirty="0"/>
+              <a:t>Basic Analysis and Clean Up</a:t>
+            </a:r>
+          </a:p>
+        </p:txBody>
+      </p:sp>
+      <p:sp>
+        <p:nvSpPr>
+          <p:cNvPr id="3" name="Content Placeholder 2">
+            <a:extLst>
+              <a:ext uri="{FF2B5EF4-FFF2-40B4-BE49-F238E27FC236}">
+                <a16:creationId xmlns:a16="http://schemas.microsoft.com/office/drawing/2014/main" id="{60CF7A33-FF3F-BE0D-8AD9-053B22D9BD9E}"/>
+              </a:ext>
+            </a:extLst>
+          </p:cNvPr>
+          <p:cNvSpPr>
+            <a:spLocks noGrp="1"/>
+          </p:cNvSpPr>
+          <p:nvPr>
+            <p:ph idx="1"/>
+          </p:nvPr>
+        </p:nvSpPr>
+        <p:spPr/>
+        <p:txBody>
+          <a:bodyPr/>
+          <a:lstStyle/>
+          <a:p>
+            <a:r>
+              <a:rPr lang="en-US" dirty="0"/>
+              <a:t>112 columns too much data</a:t>
+            </a:r>
+          </a:p>
+          <a:p>
+            <a:pPr lvl="1"/>
+            <a:r>
+              <a:rPr lang="en-US" dirty="0"/>
+              <a:t>Removed highly correlated data (&gt;= 80%): 112 </a:t>
+            </a:r>
+            <a:r>
+              <a:rPr lang="en-US" dirty="0">
+                <a:sym typeface="Wingdings" pitchFamily="2" charset="2"/>
+              </a:rPr>
+              <a:t>66 columns</a:t>
+            </a:r>
+          </a:p>
+          <a:p>
+            <a:pPr lvl="1"/>
+            <a:r>
+              <a:rPr lang="en-US" dirty="0">
+                <a:sym typeface="Wingdings" pitchFamily="2" charset="2"/>
+              </a:rPr>
+              <a:t>Removed columns where every value was 0: 66  53 columns</a:t>
+            </a:r>
+            <a:endParaRPr lang="en-US" dirty="0"/>
+          </a:p>
+          <a:p>
+            <a:endParaRPr lang="en-US" dirty="0"/>
+          </a:p>
+        </p:txBody>
+      </p:sp>
+    </p:spTree>
+    <p:extLst>
+      <p:ext uri="{BB962C8B-B14F-4D97-AF65-F5344CB8AC3E}">
+        <p14:creationId xmlns:p14="http://schemas.microsoft.com/office/powerpoint/2010/main" val="2449821939"/>
+      </p:ext>
+    </p:extLst>
+  </p:cSld>
+  <p:clrMapOvr>
+    <a:masterClrMapping/>
+  </p:clrMapOvr>
+</p:sld>
+</file>
+
+<file path=ppt/slides/slide11.xml><?xml version="1.0" encoding="utf-8"?>
+<p:sld xmlns:a="http://schemas.openxmlformats.org/drawingml/2006/main" xmlns:r="http://schemas.openxmlformats.org/officeDocument/2006/relationships" xmlns:p="http://schemas.openxmlformats.org/presentationml/2006/main">
+  <p:cSld>
+    <p:spTree>
+      <p:nvGrpSpPr>
+        <p:cNvPr id="1" name=""/>
+        <p:cNvGrpSpPr/>
+        <p:nvPr/>
+      </p:nvGrpSpPr>
+      <p:grpSpPr>
+        <a:xfrm>
+          <a:off x="0" y="0"/>
+          <a:ext cx="0" cy="0"/>
+          <a:chOff x="0" y="0"/>
+          <a:chExt cx="0" cy="0"/>
+        </a:xfrm>
+      </p:grpSpPr>
+      <p:sp>
+        <p:nvSpPr>
+          <p:cNvPr id="2" name="Title 1">
+            <a:extLst>
+              <a:ext uri="{FF2B5EF4-FFF2-40B4-BE49-F238E27FC236}">
+                <a16:creationId xmlns:a16="http://schemas.microsoft.com/office/drawing/2014/main" id="{06CB0E9C-39E0-4F0E-11F4-572B207791A6}"/>
+              </a:ext>
+            </a:extLst>
+          </p:cNvPr>
+          <p:cNvSpPr>
+            <a:spLocks noGrp="1"/>
+          </p:cNvSpPr>
+          <p:nvPr>
+            <p:ph type="title"/>
+          </p:nvPr>
+        </p:nvSpPr>
+        <p:spPr/>
+        <p:txBody>
+          <a:bodyPr/>
+          <a:lstStyle/>
+          <a:p>
+            <a:r>
+              <a:rPr lang="en-US" dirty="0"/>
+              <a:t>Three Machine Learning Models</a:t>
+            </a:r>
+          </a:p>
+        </p:txBody>
+      </p:sp>
+      <p:sp>
+        <p:nvSpPr>
+          <p:cNvPr id="3" name="Content Placeholder 2">
+            <a:extLst>
+              <a:ext uri="{FF2B5EF4-FFF2-40B4-BE49-F238E27FC236}">
+                <a16:creationId xmlns:a16="http://schemas.microsoft.com/office/drawing/2014/main" id="{D67003D3-8450-9AD8-8D7D-649522D4A7E5}"/>
+              </a:ext>
+            </a:extLst>
+          </p:cNvPr>
+          <p:cNvSpPr>
+            <a:spLocks noGrp="1"/>
+          </p:cNvSpPr>
+          <p:nvPr>
+            <p:ph idx="1"/>
+          </p:nvPr>
+        </p:nvSpPr>
+        <p:spPr/>
+        <p:txBody>
+          <a:bodyPr/>
+          <a:lstStyle/>
+          <a:p>
+            <a:r>
+              <a:rPr lang="en-US" dirty="0" err="1"/>
+              <a:t>RandomForest</a:t>
+            </a:r>
+            <a:endParaRPr lang="en-US" dirty="0"/>
+          </a:p>
+          <a:p>
+            <a:r>
+              <a:rPr lang="en-US" dirty="0" err="1"/>
+              <a:t>LightGBM</a:t>
+            </a:r>
+            <a:endParaRPr lang="en-US" dirty="0"/>
+          </a:p>
+          <a:p>
+            <a:r>
+              <a:rPr lang="en-US" dirty="0" err="1"/>
+              <a:t>XGBoost</a:t>
+            </a:r>
+            <a:endParaRPr lang="en-US" dirty="0"/>
+          </a:p>
+          <a:p>
+            <a:endParaRPr lang="en-US" dirty="0"/>
+          </a:p>
+          <a:p>
+            <a:endParaRPr lang="en-US" dirty="0"/>
+          </a:p>
+        </p:txBody>
+      </p:sp>
+    </p:spTree>
+    <p:extLst>
+      <p:ext uri="{BB962C8B-B14F-4D97-AF65-F5344CB8AC3E}">
+        <p14:creationId xmlns:p14="http://schemas.microsoft.com/office/powerpoint/2010/main" val="2888725068"/>
+      </p:ext>
+    </p:extLst>
+  </p:cSld>
+  <p:clrMapOvr>
+    <a:masterClrMapping/>
+  </p:clrMapOvr>
+</p:sld>
+</file>
+
+<file path=ppt/slides/slide12.xml><?xml version="1.0" encoding="utf-8"?>
+<p:sld xmlns:a="http://schemas.openxmlformats.org/drawingml/2006/main" xmlns:r="http://schemas.openxmlformats.org/officeDocument/2006/relationships" xmlns:p="http://schemas.openxmlformats.org/presentationml/2006/main">
+  <p:cSld>
+    <p:spTree>
+      <p:nvGrpSpPr>
+        <p:cNvPr id="1" name=""/>
+        <p:cNvGrpSpPr/>
+        <p:nvPr/>
+      </p:nvGrpSpPr>
+      <p:grpSpPr>
+        <a:xfrm>
+          <a:off x="0" y="0"/>
+          <a:ext cx="0" cy="0"/>
+          <a:chOff x="0" y="0"/>
+          <a:chExt cx="0" cy="0"/>
+        </a:xfrm>
+      </p:grpSpPr>
+      <p:sp>
+        <p:nvSpPr>
+          <p:cNvPr id="2" name="Title 1">
+            <a:extLst>
+              <a:ext uri="{FF2B5EF4-FFF2-40B4-BE49-F238E27FC236}">
+                <a16:creationId xmlns:a16="http://schemas.microsoft.com/office/drawing/2014/main" id="{06CB0E9C-39E0-4F0E-11F4-572B207791A6}"/>
+              </a:ext>
+            </a:extLst>
+          </p:cNvPr>
+          <p:cNvSpPr>
+            <a:spLocks noGrp="1"/>
+          </p:cNvSpPr>
+          <p:nvPr>
+            <p:ph type="title"/>
+          </p:nvPr>
+        </p:nvSpPr>
+        <p:spPr/>
+        <p:txBody>
+          <a:bodyPr/>
+          <a:lstStyle/>
+          <a:p>
+            <a:r>
+              <a:rPr lang="en-US" dirty="0"/>
+              <a:t>Three Machine Learning Models</a:t>
+            </a:r>
+          </a:p>
+        </p:txBody>
+      </p:sp>
+      <p:sp>
+        <p:nvSpPr>
+          <p:cNvPr id="3" name="Content Placeholder 2">
+            <a:extLst>
+              <a:ext uri="{FF2B5EF4-FFF2-40B4-BE49-F238E27FC236}">
+                <a16:creationId xmlns:a16="http://schemas.microsoft.com/office/drawing/2014/main" id="{D67003D3-8450-9AD8-8D7D-649522D4A7E5}"/>
+              </a:ext>
+            </a:extLst>
+          </p:cNvPr>
+          <p:cNvSpPr>
+            <a:spLocks noGrp="1"/>
+          </p:cNvSpPr>
+          <p:nvPr>
+            <p:ph idx="1"/>
+          </p:nvPr>
+        </p:nvSpPr>
+        <p:spPr/>
+        <p:txBody>
+          <a:bodyPr/>
+          <a:lstStyle/>
+          <a:p>
+            <a:r>
+              <a:rPr lang="en-US" dirty="0"/>
+              <a:t>Table to compare three models</a:t>
+            </a:r>
+          </a:p>
+          <a:p>
+            <a:pPr lvl="1"/>
+            <a:r>
+              <a:rPr lang="en-US" dirty="0"/>
+              <a:t>Why we used them for our data</a:t>
+            </a:r>
+          </a:p>
+          <a:p>
+            <a:endParaRPr lang="en-US" dirty="0"/>
+          </a:p>
+          <a:p>
+            <a:endParaRPr lang="en-US" dirty="0"/>
+          </a:p>
+        </p:txBody>
+      </p:sp>
+    </p:spTree>
+    <p:extLst>
+      <p:ext uri="{BB962C8B-B14F-4D97-AF65-F5344CB8AC3E}">
+        <p14:creationId xmlns:p14="http://schemas.microsoft.com/office/powerpoint/2010/main" val="3838637697"/>
+      </p:ext>
+    </p:extLst>
+  </p:cSld>
+  <p:clrMapOvr>
+    <a:masterClrMapping/>
+  </p:clrMapOvr>
+</p:sld>
+</file>
+
+<file path=ppt/slides/slide13.xml><?xml version="1.0" encoding="utf-8"?>
+<p:sld xmlns:a="http://schemas.openxmlformats.org/drawingml/2006/main" xmlns:r="http://schemas.openxmlformats.org/officeDocument/2006/relationships" xmlns:p="http://schemas.openxmlformats.org/presentationml/2006/main">
+  <p:cSld>
+    <p:spTree>
+      <p:nvGrpSpPr>
+        <p:cNvPr id="1" name=""/>
+        <p:cNvGrpSpPr/>
+        <p:nvPr/>
+      </p:nvGrpSpPr>
+      <p:grpSpPr>
+        <a:xfrm>
+          <a:off x="0" y="0"/>
+          <a:ext cx="0" cy="0"/>
+          <a:chOff x="0" y="0"/>
+          <a:chExt cx="0" cy="0"/>
+        </a:xfrm>
+      </p:grpSpPr>
+      <p:sp>
+        <p:nvSpPr>
+          <p:cNvPr id="2" name="Title 1">
+            <a:extLst>
+              <a:ext uri="{FF2B5EF4-FFF2-40B4-BE49-F238E27FC236}">
+                <a16:creationId xmlns:a16="http://schemas.microsoft.com/office/drawing/2014/main" id="{06CB0E9C-39E0-4F0E-11F4-572B207791A6}"/>
+              </a:ext>
+            </a:extLst>
+          </p:cNvPr>
+          <p:cNvSpPr>
+            <a:spLocks noGrp="1"/>
+          </p:cNvSpPr>
+          <p:nvPr>
+            <p:ph type="title"/>
+          </p:nvPr>
+        </p:nvSpPr>
+        <p:spPr/>
+        <p:txBody>
+          <a:bodyPr/>
+          <a:lstStyle/>
+          <a:p>
+            <a:r>
+              <a:rPr lang="en-US" dirty="0"/>
+              <a:t>Three Machine Learning Models</a:t>
+            </a:r>
+          </a:p>
+        </p:txBody>
+      </p:sp>
+      <p:graphicFrame>
+        <p:nvGraphicFramePr>
+          <p:cNvPr id="7" name="Table 6">
+            <a:extLst>
+              <a:ext uri="{FF2B5EF4-FFF2-40B4-BE49-F238E27FC236}">
+                <a16:creationId xmlns:a16="http://schemas.microsoft.com/office/drawing/2014/main" id="{DBFAA36B-3F2C-2ACF-79C5-B07E31468DDE}"/>
+              </a:ext>
+            </a:extLst>
+          </p:cNvPr>
+          <p:cNvGraphicFramePr>
+            <a:graphicFrameLocks noGrp="1"/>
+          </p:cNvGraphicFramePr>
+          <p:nvPr/>
+        </p:nvGraphicFramePr>
+        <p:xfrm>
+          <a:off x="457200" y="1655520"/>
+          <a:ext cx="8246070" cy="3337560"/>
+        </p:xfrm>
+        <a:graphic>
+          <a:graphicData uri="http://schemas.openxmlformats.org/drawingml/2006/table">
+            <a:tbl>
+              <a:tblPr firstRow="1" bandRow="1">
+                <a:tableStyleId>{5C22544A-7EE6-4342-B048-85BDC9FD1C3A}</a:tableStyleId>
+              </a:tblPr>
+              <a:tblGrid>
+                <a:gridCol w="2748690">
+                  <a:extLst>
+                    <a:ext uri="{9D8B030D-6E8A-4147-A177-3AD203B41FA5}">
+                      <a16:colId xmlns:a16="http://schemas.microsoft.com/office/drawing/2014/main" val="1448713836"/>
+                    </a:ext>
+                  </a:extLst>
+                </a:gridCol>
+                <a:gridCol w="2748690">
+                  <a:extLst>
+                    <a:ext uri="{9D8B030D-6E8A-4147-A177-3AD203B41FA5}">
+                      <a16:colId xmlns:a16="http://schemas.microsoft.com/office/drawing/2014/main" val="2064452239"/>
+                    </a:ext>
+                  </a:extLst>
+                </a:gridCol>
+                <a:gridCol w="2748690">
+                  <a:extLst>
+                    <a:ext uri="{9D8B030D-6E8A-4147-A177-3AD203B41FA5}">
+                      <a16:colId xmlns:a16="http://schemas.microsoft.com/office/drawing/2014/main" val="795364485"/>
+                    </a:ext>
+                  </a:extLst>
+                </a:gridCol>
+              </a:tblGrid>
+              <a:tr h="370840">
+                <a:tc>
+                  <a:txBody>
+                    <a:bodyPr/>
+                    <a:lstStyle/>
+                    <a:p>
+                      <a:pPr algn="ctr"/>
+                      <a:r>
+                        <a:rPr lang="en-US" dirty="0" err="1"/>
+                        <a:t>RandomForest</a:t>
+                      </a:r>
+                      <a:endParaRPr lang="en-US" dirty="0"/>
+                    </a:p>
+                  </a:txBody>
+                  <a:tcPr/>
+                </a:tc>
+                <a:tc>
+                  <a:txBody>
+                    <a:bodyPr/>
+                    <a:lstStyle/>
+                    <a:p>
+                      <a:pPr algn="ctr"/>
+                      <a:r>
+                        <a:rPr lang="en-US" dirty="0" err="1"/>
+                        <a:t>LightGBM</a:t>
+                      </a:r>
+                      <a:endParaRPr lang="en-US" dirty="0"/>
+                    </a:p>
+                  </a:txBody>
+                  <a:tcPr/>
+                </a:tc>
+                <a:tc>
+                  <a:txBody>
+                    <a:bodyPr/>
+                    <a:lstStyle/>
+                    <a:p>
+                      <a:pPr algn="ctr"/>
+                      <a:r>
+                        <a:rPr lang="en-US" dirty="0" err="1"/>
+                        <a:t>XGBoost</a:t>
+                      </a:r>
+                      <a:endParaRPr lang="en-US" dirty="0"/>
+                    </a:p>
+                  </a:txBody>
+                  <a:tcPr/>
+                </a:tc>
+                <a:extLst>
+                  <a:ext uri="{0D108BD9-81ED-4DB2-BD59-A6C34878D82A}">
+                    <a16:rowId xmlns:a16="http://schemas.microsoft.com/office/drawing/2014/main" val="498243086"/>
+                  </a:ext>
+                </a:extLst>
+              </a:tr>
+              <a:tr h="370840">
+                <a:tc>
+                  <a:txBody>
+                    <a:bodyPr/>
+                    <a:lstStyle/>
+                    <a:p>
+                      <a:endParaRPr lang="en-US" dirty="0"/>
+                    </a:p>
+                  </a:txBody>
+                  <a:tcPr/>
+                </a:tc>
+                <a:tc>
+                  <a:txBody>
+                    <a:bodyPr/>
+                    <a:lstStyle/>
+                    <a:p>
+                      <a:endParaRPr lang="en-US" dirty="0"/>
+                    </a:p>
+                  </a:txBody>
+                  <a:tcPr/>
+                </a:tc>
+                <a:tc>
+                  <a:txBody>
+                    <a:bodyPr/>
+                    <a:lstStyle/>
+                    <a:p>
+                      <a:endParaRPr lang="en-US"/>
+                    </a:p>
+                  </a:txBody>
+                  <a:tcPr/>
+                </a:tc>
+                <a:extLst>
+                  <a:ext uri="{0D108BD9-81ED-4DB2-BD59-A6C34878D82A}">
+                    <a16:rowId xmlns:a16="http://schemas.microsoft.com/office/drawing/2014/main" val="798840408"/>
+                  </a:ext>
+                </a:extLst>
+              </a:tr>
+              <a:tr h="370840">
+                <a:tc>
+                  <a:txBody>
+                    <a:bodyPr/>
+                    <a:lstStyle/>
+                    <a:p>
+                      <a:endParaRPr lang="en-US"/>
+                    </a:p>
+                  </a:txBody>
+                  <a:tcPr/>
+                </a:tc>
+                <a:tc>
+                  <a:txBody>
+                    <a:bodyPr/>
+                    <a:lstStyle/>
+                    <a:p>
+                      <a:endParaRPr lang="en-US" dirty="0"/>
+                    </a:p>
+                  </a:txBody>
+                  <a:tcPr/>
+                </a:tc>
+                <a:tc>
+                  <a:txBody>
+                    <a:bodyPr/>
+                    <a:lstStyle/>
+                    <a:p>
+                      <a:endParaRPr lang="en-US"/>
+                    </a:p>
+                  </a:txBody>
+                  <a:tcPr/>
+                </a:tc>
+                <a:extLst>
+                  <a:ext uri="{0D108BD9-81ED-4DB2-BD59-A6C34878D82A}">
+                    <a16:rowId xmlns:a16="http://schemas.microsoft.com/office/drawing/2014/main" val="2424287302"/>
+                  </a:ext>
+                </a:extLst>
+              </a:tr>
+              <a:tr h="370840">
+                <a:tc>
+                  <a:txBody>
+                    <a:bodyPr/>
+                    <a:lstStyle/>
+                    <a:p>
+                      <a:endParaRPr lang="en-US"/>
+                    </a:p>
+                  </a:txBody>
+                  <a:tcPr/>
+                </a:tc>
+                <a:tc>
+                  <a:txBody>
+                    <a:bodyPr/>
+                    <a:lstStyle/>
+                    <a:p>
+                      <a:endParaRPr lang="en-US" dirty="0"/>
+                    </a:p>
+                  </a:txBody>
+                  <a:tcPr/>
+                </a:tc>
+                <a:tc>
+                  <a:txBody>
+                    <a:bodyPr/>
+                    <a:lstStyle/>
+                    <a:p>
+                      <a:endParaRPr lang="en-US" dirty="0"/>
+                    </a:p>
+                  </a:txBody>
+                  <a:tcPr/>
+                </a:tc>
+                <a:extLst>
+                  <a:ext uri="{0D108BD9-81ED-4DB2-BD59-A6C34878D82A}">
+                    <a16:rowId xmlns:a16="http://schemas.microsoft.com/office/drawing/2014/main" val="2084686757"/>
+                  </a:ext>
+                </a:extLst>
+              </a:tr>
+              <a:tr h="370840">
+                <a:tc>
+                  <a:txBody>
+                    <a:bodyPr/>
+                    <a:lstStyle/>
+                    <a:p>
+                      <a:endParaRPr lang="en-US"/>
+                    </a:p>
+                  </a:txBody>
+                  <a:tcPr/>
+                </a:tc>
+                <a:tc>
+                  <a:txBody>
+                    <a:bodyPr/>
+                    <a:lstStyle/>
+                    <a:p>
+                      <a:endParaRPr lang="en-US" dirty="0"/>
+                    </a:p>
+                  </a:txBody>
+                  <a:tcPr/>
+                </a:tc>
+                <a:tc>
+                  <a:txBody>
+                    <a:bodyPr/>
+                    <a:lstStyle/>
+                    <a:p>
+                      <a:endParaRPr lang="en-US" dirty="0"/>
+                    </a:p>
+                  </a:txBody>
+                  <a:tcPr/>
+                </a:tc>
+                <a:extLst>
+                  <a:ext uri="{0D108BD9-81ED-4DB2-BD59-A6C34878D82A}">
+                    <a16:rowId xmlns:a16="http://schemas.microsoft.com/office/drawing/2014/main" val="1914916541"/>
+                  </a:ext>
+                </a:extLst>
+              </a:tr>
+              <a:tr h="370840">
+                <a:tc>
+                  <a:txBody>
+                    <a:bodyPr/>
+                    <a:lstStyle/>
+                    <a:p>
+                      <a:endParaRPr lang="en-US"/>
+                    </a:p>
+                  </a:txBody>
+                  <a:tcPr/>
+                </a:tc>
+                <a:tc>
+                  <a:txBody>
+                    <a:bodyPr/>
+                    <a:lstStyle/>
+                    <a:p>
+                      <a:endParaRPr lang="en-US" dirty="0"/>
+                    </a:p>
+                  </a:txBody>
+                  <a:tcPr/>
+                </a:tc>
+                <a:tc>
+                  <a:txBody>
+                    <a:bodyPr/>
+                    <a:lstStyle/>
+                    <a:p>
+                      <a:endParaRPr lang="en-US" dirty="0"/>
+                    </a:p>
+                  </a:txBody>
+                  <a:tcPr/>
+                </a:tc>
+                <a:extLst>
+                  <a:ext uri="{0D108BD9-81ED-4DB2-BD59-A6C34878D82A}">
+                    <a16:rowId xmlns:a16="http://schemas.microsoft.com/office/drawing/2014/main" val="3280864646"/>
+                  </a:ext>
+                </a:extLst>
+              </a:tr>
+              <a:tr h="370840">
+                <a:tc>
+                  <a:txBody>
+                    <a:bodyPr/>
+                    <a:lstStyle/>
+                    <a:p>
+                      <a:endParaRPr lang="en-US"/>
+                    </a:p>
+                  </a:txBody>
+                  <a:tcPr/>
+                </a:tc>
+                <a:tc>
+                  <a:txBody>
+                    <a:bodyPr/>
+                    <a:lstStyle/>
+                    <a:p>
+                      <a:endParaRPr lang="en-US" dirty="0"/>
+                    </a:p>
+                  </a:txBody>
+                  <a:tcPr/>
+                </a:tc>
+                <a:tc>
+                  <a:txBody>
+                    <a:bodyPr/>
+                    <a:lstStyle/>
+                    <a:p>
+                      <a:endParaRPr lang="en-US" dirty="0"/>
+                    </a:p>
+                  </a:txBody>
+                  <a:tcPr/>
+                </a:tc>
+                <a:extLst>
+                  <a:ext uri="{0D108BD9-81ED-4DB2-BD59-A6C34878D82A}">
+                    <a16:rowId xmlns:a16="http://schemas.microsoft.com/office/drawing/2014/main" val="928756302"/>
+                  </a:ext>
+                </a:extLst>
+              </a:tr>
+              <a:tr h="370840">
+                <a:tc>
+                  <a:txBody>
+                    <a:bodyPr/>
+                    <a:lstStyle/>
+                    <a:p>
+                      <a:endParaRPr lang="en-US"/>
+                    </a:p>
+                  </a:txBody>
+                  <a:tcPr/>
+                </a:tc>
+                <a:tc>
+                  <a:txBody>
+                    <a:bodyPr/>
+                    <a:lstStyle/>
+                    <a:p>
+                      <a:endParaRPr lang="en-US" dirty="0"/>
+                    </a:p>
+                  </a:txBody>
+                  <a:tcPr/>
+                </a:tc>
+                <a:tc>
+                  <a:txBody>
+                    <a:bodyPr/>
+                    <a:lstStyle/>
+                    <a:p>
+                      <a:endParaRPr lang="en-US" dirty="0"/>
+                    </a:p>
+                  </a:txBody>
+                  <a:tcPr/>
+                </a:tc>
+                <a:extLst>
+                  <a:ext uri="{0D108BD9-81ED-4DB2-BD59-A6C34878D82A}">
+                    <a16:rowId xmlns:a16="http://schemas.microsoft.com/office/drawing/2014/main" val="1335893196"/>
+                  </a:ext>
+                </a:extLst>
+              </a:tr>
+              <a:tr h="370840">
+                <a:tc>
+                  <a:txBody>
+                    <a:bodyPr/>
+                    <a:lstStyle/>
+                    <a:p>
+                      <a:endParaRPr lang="en-US"/>
+                    </a:p>
+                  </a:txBody>
+                  <a:tcPr/>
+                </a:tc>
+                <a:tc>
+                  <a:txBody>
+                    <a:bodyPr/>
+                    <a:lstStyle/>
+                    <a:p>
+                      <a:endParaRPr lang="en-US" dirty="0"/>
+                    </a:p>
+                  </a:txBody>
+                  <a:tcPr/>
+                </a:tc>
+                <a:tc>
+                  <a:txBody>
+                    <a:bodyPr/>
+                    <a:lstStyle/>
+                    <a:p>
+                      <a:endParaRPr lang="en-US" dirty="0"/>
+                    </a:p>
+                  </a:txBody>
+                  <a:tcPr/>
+                </a:tc>
+                <a:extLst>
+                  <a:ext uri="{0D108BD9-81ED-4DB2-BD59-A6C34878D82A}">
+                    <a16:rowId xmlns:a16="http://schemas.microsoft.com/office/drawing/2014/main" val="3872803588"/>
+                  </a:ext>
+                </a:extLst>
+              </a:tr>
+            </a:tbl>
+          </a:graphicData>
+        </a:graphic>
+      </p:graphicFrame>
+    </p:spTree>
+    <p:extLst>
+      <p:ext uri="{BB962C8B-B14F-4D97-AF65-F5344CB8AC3E}">
+        <p14:creationId xmlns:p14="http://schemas.microsoft.com/office/powerpoint/2010/main" val="30760112"/>
+      </p:ext>
+    </p:extLst>
+  </p:cSld>
+  <p:clrMapOvr>
+    <a:masterClrMapping/>
+  </p:clrMapOvr>
+</p:sld>
+</file>
+
+<file path=ppt/slides/slide14.xml><?xml version="1.0" encoding="utf-8"?>
+<p:sld xmlns:a="http://schemas.openxmlformats.org/drawingml/2006/main" xmlns:r="http://schemas.openxmlformats.org/officeDocument/2006/relationships" xmlns:p="http://schemas.openxmlformats.org/presentationml/2006/main">
+  <p:cSld>
+    <p:spTree>
+      <p:nvGrpSpPr>
+        <p:cNvPr id="1" name=""/>
+        <p:cNvGrpSpPr/>
+        <p:nvPr/>
+      </p:nvGrpSpPr>
+      <p:grpSpPr>
+        <a:xfrm>
+          <a:off x="0" y="0"/>
+          <a:ext cx="0" cy="0"/>
+          <a:chOff x="0" y="0"/>
+          <a:chExt cx="0" cy="0"/>
+        </a:xfrm>
+      </p:grpSpPr>
+      <p:sp>
+        <p:nvSpPr>
+          <p:cNvPr id="2" name="Title 1">
+            <a:extLst>
+              <a:ext uri="{FF2B5EF4-FFF2-40B4-BE49-F238E27FC236}">
+                <a16:creationId xmlns:a16="http://schemas.microsoft.com/office/drawing/2014/main" id="{06CB0E9C-39E0-4F0E-11F4-572B207791A6}"/>
+              </a:ext>
+            </a:extLst>
+          </p:cNvPr>
+          <p:cNvSpPr>
+            <a:spLocks noGrp="1"/>
+          </p:cNvSpPr>
+          <p:nvPr>
+            <p:ph type="title"/>
+          </p:nvPr>
+        </p:nvSpPr>
+        <p:spPr/>
+        <p:txBody>
+          <a:bodyPr/>
+          <a:lstStyle/>
+          <a:p>
+            <a:r>
+              <a:rPr lang="en-US" dirty="0"/>
+              <a:t>Selected Values</a:t>
+            </a:r>
+          </a:p>
+        </p:txBody>
+      </p:sp>
+      <p:pic>
+        <p:nvPicPr>
+          <p:cNvPr id="9" name="Picture 8">
+            <a:extLst>
+              <a:ext uri="{FF2B5EF4-FFF2-40B4-BE49-F238E27FC236}">
+                <a16:creationId xmlns:a16="http://schemas.microsoft.com/office/drawing/2014/main" id="{F74F4A74-5A2F-085A-C939-7B397ECA90A3}"/>
+              </a:ext>
+            </a:extLst>
+          </p:cNvPr>
+          <p:cNvPicPr>
+            <a:picLocks noChangeAspect="1"/>
+          </p:cNvPicPr>
+          <p:nvPr/>
+        </p:nvPicPr>
+        <p:blipFill>
+          <a:blip r:embed="rId2"/>
+          <a:stretch>
+            <a:fillRect/>
+          </a:stretch>
+        </p:blipFill>
+        <p:spPr>
+          <a:xfrm>
+            <a:off x="2951545" y="1614885"/>
+            <a:ext cx="2842095" cy="3413522"/>
+          </a:xfrm>
+          <a:prstGeom prst="rect">
+            <a:avLst/>
+          </a:prstGeom>
+        </p:spPr>
+      </p:pic>
+      <p:pic>
+        <p:nvPicPr>
+          <p:cNvPr id="8" name="Picture 7">
+            <a:extLst>
+              <a:ext uri="{FF2B5EF4-FFF2-40B4-BE49-F238E27FC236}">
+                <a16:creationId xmlns:a16="http://schemas.microsoft.com/office/drawing/2014/main" id="{9FD76A6B-89AA-4382-D912-B17182BA4783}"/>
+              </a:ext>
+            </a:extLst>
+          </p:cNvPr>
+          <p:cNvPicPr>
+            <a:picLocks noChangeAspect="1"/>
+          </p:cNvPicPr>
+          <p:nvPr/>
+        </p:nvPicPr>
+        <p:blipFill>
+          <a:blip r:embed="rId3"/>
+          <a:stretch>
+            <a:fillRect/>
+          </a:stretch>
+        </p:blipFill>
+        <p:spPr>
+          <a:xfrm>
+            <a:off x="5793640" y="1614885"/>
+            <a:ext cx="3350360" cy="3413522"/>
+          </a:xfrm>
+          <a:prstGeom prst="rect">
+            <a:avLst/>
+          </a:prstGeom>
+        </p:spPr>
+      </p:pic>
+      <p:pic>
+        <p:nvPicPr>
+          <p:cNvPr id="6" name="Picture 5">
+            <a:extLst>
+              <a:ext uri="{FF2B5EF4-FFF2-40B4-BE49-F238E27FC236}">
+                <a16:creationId xmlns:a16="http://schemas.microsoft.com/office/drawing/2014/main" id="{85DA9512-8717-D6B4-BE90-B5F8E16BF3FF}"/>
+              </a:ext>
+            </a:extLst>
+          </p:cNvPr>
+          <p:cNvPicPr>
+            <a:picLocks noChangeAspect="1"/>
+          </p:cNvPicPr>
+          <p:nvPr/>
+        </p:nvPicPr>
+        <p:blipFill>
+          <a:blip r:embed="rId4"/>
+          <a:stretch>
+            <a:fillRect/>
+          </a:stretch>
+        </p:blipFill>
+        <p:spPr>
+          <a:xfrm>
+            <a:off x="56423" y="1614885"/>
+            <a:ext cx="2897505" cy="3363234"/>
+          </a:xfrm>
+          <a:prstGeom prst="rect">
+            <a:avLst/>
+          </a:prstGeom>
+        </p:spPr>
+      </p:pic>
+    </p:spTree>
+    <p:extLst>
+      <p:ext uri="{BB962C8B-B14F-4D97-AF65-F5344CB8AC3E}">
+        <p14:creationId xmlns:p14="http://schemas.microsoft.com/office/powerpoint/2010/main" val="2388556330"/>
+      </p:ext>
+    </p:extLst>
+  </p:cSld>
+  <p:clrMapOvr>
+    <a:masterClrMapping/>
+  </p:clrMapOvr>
+</p:sld>
+</file>
+
+<file path=ppt/slides/slide15.xml><?xml version="1.0" encoding="utf-8"?>
+<p:sld xmlns:a="http://schemas.openxmlformats.org/drawingml/2006/main" xmlns:r="http://schemas.openxmlformats.org/officeDocument/2006/relationships" xmlns:p="http://schemas.openxmlformats.org/presentationml/2006/main">
+  <p:cSld>
+    <p:spTree>
+      <p:nvGrpSpPr>
+        <p:cNvPr id="1" name=""/>
+        <p:cNvGrpSpPr/>
+        <p:nvPr/>
+      </p:nvGrpSpPr>
+      <p:grpSpPr>
+        <a:xfrm>
+          <a:off x="0" y="0"/>
+          <a:ext cx="0" cy="0"/>
+          <a:chOff x="0" y="0"/>
+          <a:chExt cx="0" cy="0"/>
+        </a:xfrm>
+      </p:grpSpPr>
+      <p:sp>
+        <p:nvSpPr>
+          <p:cNvPr id="2" name="Title 1">
+            <a:extLst>
+              <a:ext uri="{FF2B5EF4-FFF2-40B4-BE49-F238E27FC236}">
+                <a16:creationId xmlns:a16="http://schemas.microsoft.com/office/drawing/2014/main" id="{06CB0E9C-39E0-4F0E-11F4-572B207791A6}"/>
+              </a:ext>
+            </a:extLst>
+          </p:cNvPr>
+          <p:cNvSpPr>
+            <a:spLocks noGrp="1"/>
+          </p:cNvSpPr>
+          <p:nvPr>
+            <p:ph type="title"/>
+          </p:nvPr>
+        </p:nvSpPr>
+        <p:spPr/>
+        <p:txBody>
+          <a:bodyPr/>
+          <a:lstStyle/>
+          <a:p>
+            <a:r>
+              <a:rPr lang="en-US" dirty="0"/>
+              <a:t>Comparing Results</a:t>
+            </a:r>
+          </a:p>
+        </p:txBody>
+      </p:sp>
+      <p:graphicFrame>
+        <p:nvGraphicFramePr>
+          <p:cNvPr id="7" name="Table 6">
+            <a:extLst>
+              <a:ext uri="{FF2B5EF4-FFF2-40B4-BE49-F238E27FC236}">
+                <a16:creationId xmlns:a16="http://schemas.microsoft.com/office/drawing/2014/main" id="{DBFAA36B-3F2C-2ACF-79C5-B07E31468DDE}"/>
+              </a:ext>
+            </a:extLst>
+          </p:cNvPr>
+          <p:cNvGraphicFramePr>
+            <a:graphicFrameLocks noGrp="1"/>
+          </p:cNvGraphicFramePr>
+          <p:nvPr/>
+        </p:nvGraphicFramePr>
+        <p:xfrm>
+          <a:off x="457200" y="1655520"/>
+          <a:ext cx="8246070" cy="3337560"/>
+        </p:xfrm>
+        <a:graphic>
+          <a:graphicData uri="http://schemas.openxmlformats.org/drawingml/2006/table">
+            <a:tbl>
+              <a:tblPr firstRow="1" bandRow="1">
+                <a:tableStyleId>{5C22544A-7EE6-4342-B048-85BDC9FD1C3A}</a:tableStyleId>
+              </a:tblPr>
+              <a:tblGrid>
+                <a:gridCol w="2748690">
+                  <a:extLst>
+                    <a:ext uri="{9D8B030D-6E8A-4147-A177-3AD203B41FA5}">
+                      <a16:colId xmlns:a16="http://schemas.microsoft.com/office/drawing/2014/main" val="1448713836"/>
+                    </a:ext>
+                  </a:extLst>
+                </a:gridCol>
+                <a:gridCol w="2748690">
+                  <a:extLst>
+                    <a:ext uri="{9D8B030D-6E8A-4147-A177-3AD203B41FA5}">
+                      <a16:colId xmlns:a16="http://schemas.microsoft.com/office/drawing/2014/main" val="2064452239"/>
+                    </a:ext>
+                  </a:extLst>
+                </a:gridCol>
+                <a:gridCol w="2748690">
+                  <a:extLst>
+                    <a:ext uri="{9D8B030D-6E8A-4147-A177-3AD203B41FA5}">
+                      <a16:colId xmlns:a16="http://schemas.microsoft.com/office/drawing/2014/main" val="795364485"/>
+                    </a:ext>
+                  </a:extLst>
+                </a:gridCol>
+              </a:tblGrid>
+              <a:tr h="370840">
+                <a:tc>
+                  <a:txBody>
+                    <a:bodyPr/>
+                    <a:lstStyle/>
+                    <a:p>
+                      <a:pPr algn="ctr"/>
+                      <a:r>
+                        <a:rPr lang="en-US" dirty="0" err="1"/>
+                        <a:t>RandomForest</a:t>
+                      </a:r>
+                      <a:endParaRPr lang="en-US" dirty="0"/>
+                    </a:p>
+                  </a:txBody>
+                  <a:tcPr/>
+                </a:tc>
+                <a:tc>
+                  <a:txBody>
+                    <a:bodyPr/>
+                    <a:lstStyle/>
+                    <a:p>
+                      <a:pPr algn="ctr"/>
+                      <a:r>
+                        <a:rPr lang="en-US" dirty="0" err="1"/>
+                        <a:t>LightGBM</a:t>
+                      </a:r>
+                      <a:endParaRPr lang="en-US" dirty="0"/>
+                    </a:p>
+                  </a:txBody>
+                  <a:tcPr/>
+                </a:tc>
+                <a:tc>
+                  <a:txBody>
+                    <a:bodyPr/>
+                    <a:lstStyle/>
+                    <a:p>
+                      <a:pPr algn="ctr"/>
+                      <a:r>
+                        <a:rPr lang="en-US" dirty="0" err="1"/>
+                        <a:t>XGBoost</a:t>
+                      </a:r>
+                      <a:endParaRPr lang="en-US" dirty="0"/>
+                    </a:p>
+                  </a:txBody>
+                  <a:tcPr/>
+                </a:tc>
+                <a:extLst>
+                  <a:ext uri="{0D108BD9-81ED-4DB2-BD59-A6C34878D82A}">
+                    <a16:rowId xmlns:a16="http://schemas.microsoft.com/office/drawing/2014/main" val="498243086"/>
+                  </a:ext>
+                </a:extLst>
+              </a:tr>
+              <a:tr h="370840">
+                <a:tc>
+                  <a:txBody>
+                    <a:bodyPr/>
+                    <a:lstStyle/>
+                    <a:p>
+                      <a:endParaRPr lang="en-US" dirty="0"/>
+                    </a:p>
+                  </a:txBody>
+                  <a:tcPr/>
+                </a:tc>
+                <a:tc>
+                  <a:txBody>
+                    <a:bodyPr/>
+                    <a:lstStyle/>
+                    <a:p>
+                      <a:endParaRPr lang="en-US" dirty="0"/>
+                    </a:p>
+                  </a:txBody>
+                  <a:tcPr/>
+                </a:tc>
+                <a:tc>
+                  <a:txBody>
+                    <a:bodyPr/>
+                    <a:lstStyle/>
+                    <a:p>
+                      <a:endParaRPr lang="en-US"/>
+                    </a:p>
+                  </a:txBody>
+                  <a:tcPr/>
+                </a:tc>
+                <a:extLst>
+                  <a:ext uri="{0D108BD9-81ED-4DB2-BD59-A6C34878D82A}">
+                    <a16:rowId xmlns:a16="http://schemas.microsoft.com/office/drawing/2014/main" val="798840408"/>
+                  </a:ext>
+                </a:extLst>
+              </a:tr>
+              <a:tr h="370840">
+                <a:tc>
+                  <a:txBody>
+                    <a:bodyPr/>
+                    <a:lstStyle/>
+                    <a:p>
+                      <a:endParaRPr lang="en-US"/>
+                    </a:p>
+                  </a:txBody>
+                  <a:tcPr/>
+                </a:tc>
+                <a:tc>
+                  <a:txBody>
+                    <a:bodyPr/>
+                    <a:lstStyle/>
+                    <a:p>
+                      <a:endParaRPr lang="en-US" dirty="0"/>
+                    </a:p>
+                  </a:txBody>
+                  <a:tcPr/>
+                </a:tc>
+                <a:tc>
+                  <a:txBody>
+                    <a:bodyPr/>
+                    <a:lstStyle/>
+                    <a:p>
+                      <a:endParaRPr lang="en-US"/>
+                    </a:p>
+                  </a:txBody>
+                  <a:tcPr/>
+                </a:tc>
+                <a:extLst>
+                  <a:ext uri="{0D108BD9-81ED-4DB2-BD59-A6C34878D82A}">
+                    <a16:rowId xmlns:a16="http://schemas.microsoft.com/office/drawing/2014/main" val="2424287302"/>
+                  </a:ext>
+                </a:extLst>
+              </a:tr>
+              <a:tr h="370840">
+                <a:tc>
+                  <a:txBody>
+                    <a:bodyPr/>
+                    <a:lstStyle/>
+                    <a:p>
+                      <a:endParaRPr lang="en-US"/>
+                    </a:p>
+                  </a:txBody>
+                  <a:tcPr/>
+                </a:tc>
+                <a:tc>
+                  <a:txBody>
+                    <a:bodyPr/>
+                    <a:lstStyle/>
+                    <a:p>
+                      <a:endParaRPr lang="en-US" dirty="0"/>
+                    </a:p>
+                  </a:txBody>
+                  <a:tcPr/>
+                </a:tc>
+                <a:tc>
+                  <a:txBody>
+                    <a:bodyPr/>
+                    <a:lstStyle/>
+                    <a:p>
+                      <a:endParaRPr lang="en-US" dirty="0"/>
+                    </a:p>
+                  </a:txBody>
+                  <a:tcPr/>
+                </a:tc>
+                <a:extLst>
+                  <a:ext uri="{0D108BD9-81ED-4DB2-BD59-A6C34878D82A}">
+                    <a16:rowId xmlns:a16="http://schemas.microsoft.com/office/drawing/2014/main" val="2084686757"/>
+                  </a:ext>
+                </a:extLst>
+              </a:tr>
+              <a:tr h="370840">
+                <a:tc>
+                  <a:txBody>
+                    <a:bodyPr/>
+                    <a:lstStyle/>
+                    <a:p>
+                      <a:endParaRPr lang="en-US"/>
+                    </a:p>
+                  </a:txBody>
+                  <a:tcPr/>
+                </a:tc>
+                <a:tc>
+                  <a:txBody>
+                    <a:bodyPr/>
+                    <a:lstStyle/>
+                    <a:p>
+                      <a:endParaRPr lang="en-US" dirty="0"/>
+                    </a:p>
+                  </a:txBody>
+                  <a:tcPr/>
+                </a:tc>
+                <a:tc>
+                  <a:txBody>
+                    <a:bodyPr/>
+                    <a:lstStyle/>
+                    <a:p>
+                      <a:endParaRPr lang="en-US" dirty="0"/>
+                    </a:p>
+                  </a:txBody>
+                  <a:tcPr/>
+                </a:tc>
+                <a:extLst>
+                  <a:ext uri="{0D108BD9-81ED-4DB2-BD59-A6C34878D82A}">
+                    <a16:rowId xmlns:a16="http://schemas.microsoft.com/office/drawing/2014/main" val="1914916541"/>
+                  </a:ext>
+                </a:extLst>
+              </a:tr>
+              <a:tr h="370840">
+                <a:tc>
+                  <a:txBody>
+                    <a:bodyPr/>
+                    <a:lstStyle/>
+                    <a:p>
+                      <a:endParaRPr lang="en-US"/>
+                    </a:p>
+                  </a:txBody>
+                  <a:tcPr/>
+                </a:tc>
+                <a:tc>
+                  <a:txBody>
+                    <a:bodyPr/>
+                    <a:lstStyle/>
+                    <a:p>
+                      <a:endParaRPr lang="en-US" dirty="0"/>
+                    </a:p>
+                  </a:txBody>
+                  <a:tcPr/>
+                </a:tc>
+                <a:tc>
+                  <a:txBody>
+                    <a:bodyPr/>
+                    <a:lstStyle/>
+                    <a:p>
+                      <a:endParaRPr lang="en-US" dirty="0"/>
+                    </a:p>
+                  </a:txBody>
+                  <a:tcPr/>
+                </a:tc>
+                <a:extLst>
+                  <a:ext uri="{0D108BD9-81ED-4DB2-BD59-A6C34878D82A}">
+                    <a16:rowId xmlns:a16="http://schemas.microsoft.com/office/drawing/2014/main" val="3280864646"/>
+                  </a:ext>
+                </a:extLst>
+              </a:tr>
+              <a:tr h="370840">
+                <a:tc>
+                  <a:txBody>
+                    <a:bodyPr/>
+                    <a:lstStyle/>
+                    <a:p>
+                      <a:endParaRPr lang="en-US"/>
+                    </a:p>
+                  </a:txBody>
+                  <a:tcPr/>
+                </a:tc>
+                <a:tc>
+                  <a:txBody>
+                    <a:bodyPr/>
+                    <a:lstStyle/>
+                    <a:p>
+                      <a:endParaRPr lang="en-US" dirty="0"/>
+                    </a:p>
+                  </a:txBody>
+                  <a:tcPr/>
+                </a:tc>
+                <a:tc>
+                  <a:txBody>
+                    <a:bodyPr/>
+                    <a:lstStyle/>
+                    <a:p>
+                      <a:endParaRPr lang="en-US" dirty="0"/>
+                    </a:p>
+                  </a:txBody>
+                  <a:tcPr/>
+                </a:tc>
+                <a:extLst>
+                  <a:ext uri="{0D108BD9-81ED-4DB2-BD59-A6C34878D82A}">
+                    <a16:rowId xmlns:a16="http://schemas.microsoft.com/office/drawing/2014/main" val="928756302"/>
+                  </a:ext>
+                </a:extLst>
+              </a:tr>
+              <a:tr h="370840">
+                <a:tc>
+                  <a:txBody>
+                    <a:bodyPr/>
+                    <a:lstStyle/>
+                    <a:p>
+                      <a:endParaRPr lang="en-US"/>
+                    </a:p>
+                  </a:txBody>
+                  <a:tcPr/>
+                </a:tc>
+                <a:tc>
+                  <a:txBody>
+                    <a:bodyPr/>
+                    <a:lstStyle/>
+                    <a:p>
+                      <a:endParaRPr lang="en-US" dirty="0"/>
+                    </a:p>
+                  </a:txBody>
+                  <a:tcPr/>
+                </a:tc>
+                <a:tc>
+                  <a:txBody>
+                    <a:bodyPr/>
+                    <a:lstStyle/>
+                    <a:p>
+                      <a:endParaRPr lang="en-US" dirty="0"/>
+                    </a:p>
+                  </a:txBody>
+                  <a:tcPr/>
+                </a:tc>
+                <a:extLst>
+                  <a:ext uri="{0D108BD9-81ED-4DB2-BD59-A6C34878D82A}">
+                    <a16:rowId xmlns:a16="http://schemas.microsoft.com/office/drawing/2014/main" val="1335893196"/>
+                  </a:ext>
+                </a:extLst>
+              </a:tr>
+              <a:tr h="370840">
+                <a:tc>
+                  <a:txBody>
+                    <a:bodyPr/>
+                    <a:lstStyle/>
+                    <a:p>
+                      <a:endParaRPr lang="en-US"/>
+                    </a:p>
+                  </a:txBody>
+                  <a:tcPr/>
+                </a:tc>
+                <a:tc>
+                  <a:txBody>
+                    <a:bodyPr/>
+                    <a:lstStyle/>
+                    <a:p>
+                      <a:endParaRPr lang="en-US" dirty="0"/>
+                    </a:p>
+                  </a:txBody>
+                  <a:tcPr/>
+                </a:tc>
+                <a:tc>
+                  <a:txBody>
+                    <a:bodyPr/>
+                    <a:lstStyle/>
+                    <a:p>
+                      <a:endParaRPr lang="en-US" dirty="0"/>
+                    </a:p>
+                  </a:txBody>
+                  <a:tcPr/>
+                </a:tc>
+                <a:extLst>
+                  <a:ext uri="{0D108BD9-81ED-4DB2-BD59-A6C34878D82A}">
+                    <a16:rowId xmlns:a16="http://schemas.microsoft.com/office/drawing/2014/main" val="3872803588"/>
+                  </a:ext>
+                </a:extLst>
+              </a:tr>
+            </a:tbl>
+          </a:graphicData>
+        </a:graphic>
+      </p:graphicFrame>
+    </p:spTree>
+    <p:extLst>
+      <p:ext uri="{BB962C8B-B14F-4D97-AF65-F5344CB8AC3E}">
+        <p14:creationId xmlns:p14="http://schemas.microsoft.com/office/powerpoint/2010/main" val="2335502257"/>
+      </p:ext>
+    </p:extLst>
+  </p:cSld>
+  <p:clrMapOvr>
+    <a:masterClrMapping/>
+  </p:clrMapOvr>
+</p:sld>
+</file>
+
+<file path=ppt/slides/slide16.xml><?xml version="1.0" encoding="utf-8"?>
+<p:sld xmlns:a="http://schemas.openxmlformats.org/drawingml/2006/main" xmlns:r="http://schemas.openxmlformats.org/officeDocument/2006/relationships" xmlns:p="http://schemas.openxmlformats.org/presentationml/2006/main">
+  <p:cSld>
+    <p:spTree>
+      <p:nvGrpSpPr>
+        <p:cNvPr id="1" name=""/>
+        <p:cNvGrpSpPr/>
+        <p:nvPr/>
+      </p:nvGrpSpPr>
+      <p:grpSpPr>
+        <a:xfrm>
+          <a:off x="0" y="0"/>
+          <a:ext cx="0" cy="0"/>
+          <a:chOff x="0" y="0"/>
+          <a:chExt cx="0" cy="0"/>
+        </a:xfrm>
+      </p:grpSpPr>
+      <p:sp>
+        <p:nvSpPr>
+          <p:cNvPr id="2" name="Title 1">
+            <a:extLst>
+              <a:ext uri="{FF2B5EF4-FFF2-40B4-BE49-F238E27FC236}">
+                <a16:creationId xmlns:a16="http://schemas.microsoft.com/office/drawing/2014/main" id="{06CB0E9C-39E0-4F0E-11F4-572B207791A6}"/>
+              </a:ext>
+            </a:extLst>
+          </p:cNvPr>
+          <p:cNvSpPr>
+            <a:spLocks noGrp="1"/>
+          </p:cNvSpPr>
+          <p:nvPr>
+            <p:ph type="title"/>
+          </p:nvPr>
+        </p:nvSpPr>
+        <p:spPr/>
+        <p:txBody>
+          <a:bodyPr/>
+          <a:lstStyle/>
+          <a:p>
+            <a:r>
+              <a:rPr lang="en-US" dirty="0"/>
+              <a:t>Observations</a:t>
+            </a:r>
+          </a:p>
+        </p:txBody>
+      </p:sp>
+      <p:graphicFrame>
+        <p:nvGraphicFramePr>
+          <p:cNvPr id="7" name="Table 6">
+            <a:extLst>
+              <a:ext uri="{FF2B5EF4-FFF2-40B4-BE49-F238E27FC236}">
+                <a16:creationId xmlns:a16="http://schemas.microsoft.com/office/drawing/2014/main" id="{DBFAA36B-3F2C-2ACF-79C5-B07E31468DDE}"/>
+              </a:ext>
+            </a:extLst>
+          </p:cNvPr>
+          <p:cNvGraphicFramePr>
+            <a:graphicFrameLocks noGrp="1"/>
+          </p:cNvGraphicFramePr>
+          <p:nvPr/>
+        </p:nvGraphicFramePr>
+        <p:xfrm>
+          <a:off x="457200" y="1655520"/>
+          <a:ext cx="8246070" cy="3337560"/>
+        </p:xfrm>
+        <a:graphic>
+          <a:graphicData uri="http://schemas.openxmlformats.org/drawingml/2006/table">
+            <a:tbl>
+              <a:tblPr firstRow="1" bandRow="1">
+                <a:tableStyleId>{5C22544A-7EE6-4342-B048-85BDC9FD1C3A}</a:tableStyleId>
+              </a:tblPr>
+              <a:tblGrid>
+                <a:gridCol w="2748690">
+                  <a:extLst>
+                    <a:ext uri="{9D8B030D-6E8A-4147-A177-3AD203B41FA5}">
+                      <a16:colId xmlns:a16="http://schemas.microsoft.com/office/drawing/2014/main" val="1448713836"/>
+                    </a:ext>
+                  </a:extLst>
+                </a:gridCol>
+                <a:gridCol w="2748690">
+                  <a:extLst>
+                    <a:ext uri="{9D8B030D-6E8A-4147-A177-3AD203B41FA5}">
+                      <a16:colId xmlns:a16="http://schemas.microsoft.com/office/drawing/2014/main" val="2064452239"/>
+                    </a:ext>
+                  </a:extLst>
+                </a:gridCol>
+                <a:gridCol w="2748690">
+                  <a:extLst>
+                    <a:ext uri="{9D8B030D-6E8A-4147-A177-3AD203B41FA5}">
+                      <a16:colId xmlns:a16="http://schemas.microsoft.com/office/drawing/2014/main" val="795364485"/>
+                    </a:ext>
+                  </a:extLst>
+                </a:gridCol>
+              </a:tblGrid>
+              <a:tr h="370840">
+                <a:tc>
+                  <a:txBody>
+                    <a:bodyPr/>
+                    <a:lstStyle/>
+                    <a:p>
+                      <a:pPr algn="ctr"/>
+                      <a:r>
+                        <a:rPr lang="en-US" dirty="0" err="1"/>
+                        <a:t>RandomForest</a:t>
+                      </a:r>
+                      <a:endParaRPr lang="en-US" dirty="0"/>
+                    </a:p>
+                  </a:txBody>
+                  <a:tcPr/>
+                </a:tc>
+                <a:tc>
+                  <a:txBody>
+                    <a:bodyPr/>
+                    <a:lstStyle/>
+                    <a:p>
+                      <a:pPr algn="ctr"/>
+                      <a:r>
+                        <a:rPr lang="en-US" dirty="0" err="1"/>
+                        <a:t>LightGBM</a:t>
+                      </a:r>
+                      <a:endParaRPr lang="en-US" dirty="0"/>
+                    </a:p>
+                  </a:txBody>
+                  <a:tcPr/>
+                </a:tc>
+                <a:tc>
+                  <a:txBody>
+                    <a:bodyPr/>
+                    <a:lstStyle/>
+                    <a:p>
+                      <a:pPr algn="ctr"/>
+                      <a:r>
+                        <a:rPr lang="en-US" dirty="0" err="1"/>
+                        <a:t>XGBoost</a:t>
+                      </a:r>
+                      <a:endParaRPr lang="en-US" dirty="0"/>
+                    </a:p>
+                  </a:txBody>
+                  <a:tcPr/>
+                </a:tc>
+                <a:extLst>
+                  <a:ext uri="{0D108BD9-81ED-4DB2-BD59-A6C34878D82A}">
+                    <a16:rowId xmlns:a16="http://schemas.microsoft.com/office/drawing/2014/main" val="498243086"/>
+                  </a:ext>
+                </a:extLst>
+              </a:tr>
+              <a:tr h="370840">
+                <a:tc>
+                  <a:txBody>
+                    <a:bodyPr/>
+                    <a:lstStyle/>
+                    <a:p>
+                      <a:endParaRPr lang="en-US" dirty="0"/>
+                    </a:p>
+                  </a:txBody>
+                  <a:tcPr/>
+                </a:tc>
+                <a:tc>
+                  <a:txBody>
+                    <a:bodyPr/>
+                    <a:lstStyle/>
+                    <a:p>
+                      <a:endParaRPr lang="en-US" dirty="0"/>
+                    </a:p>
+                  </a:txBody>
+                  <a:tcPr/>
+                </a:tc>
+                <a:tc>
+                  <a:txBody>
+                    <a:bodyPr/>
+                    <a:lstStyle/>
+                    <a:p>
+                      <a:endParaRPr lang="en-US"/>
+                    </a:p>
+                  </a:txBody>
+                  <a:tcPr/>
+                </a:tc>
+                <a:extLst>
+                  <a:ext uri="{0D108BD9-81ED-4DB2-BD59-A6C34878D82A}">
+                    <a16:rowId xmlns:a16="http://schemas.microsoft.com/office/drawing/2014/main" val="798840408"/>
+                  </a:ext>
+                </a:extLst>
+              </a:tr>
+              <a:tr h="370840">
+                <a:tc>
+                  <a:txBody>
+                    <a:bodyPr/>
+                    <a:lstStyle/>
+                    <a:p>
+                      <a:endParaRPr lang="en-US"/>
+                    </a:p>
+                  </a:txBody>
+                  <a:tcPr/>
+                </a:tc>
+                <a:tc>
+                  <a:txBody>
+                    <a:bodyPr/>
+                    <a:lstStyle/>
+                    <a:p>
+                      <a:endParaRPr lang="en-US" dirty="0"/>
+                    </a:p>
+                  </a:txBody>
+                  <a:tcPr/>
+                </a:tc>
+                <a:tc>
+                  <a:txBody>
+                    <a:bodyPr/>
+                    <a:lstStyle/>
+                    <a:p>
+                      <a:endParaRPr lang="en-US"/>
+                    </a:p>
+                  </a:txBody>
+                  <a:tcPr/>
+                </a:tc>
+                <a:extLst>
+                  <a:ext uri="{0D108BD9-81ED-4DB2-BD59-A6C34878D82A}">
+                    <a16:rowId xmlns:a16="http://schemas.microsoft.com/office/drawing/2014/main" val="2424287302"/>
+                  </a:ext>
+                </a:extLst>
+              </a:tr>
+              <a:tr h="370840">
+                <a:tc>
+                  <a:txBody>
+                    <a:bodyPr/>
+                    <a:lstStyle/>
+                    <a:p>
+                      <a:endParaRPr lang="en-US"/>
+                    </a:p>
+                  </a:txBody>
+                  <a:tcPr/>
+                </a:tc>
+                <a:tc>
+                  <a:txBody>
+                    <a:bodyPr/>
+                    <a:lstStyle/>
+                    <a:p>
+                      <a:endParaRPr lang="en-US" dirty="0"/>
+                    </a:p>
+                  </a:txBody>
+                  <a:tcPr/>
+                </a:tc>
+                <a:tc>
+                  <a:txBody>
+                    <a:bodyPr/>
+                    <a:lstStyle/>
+                    <a:p>
+                      <a:endParaRPr lang="en-US" dirty="0"/>
+                    </a:p>
+                  </a:txBody>
+                  <a:tcPr/>
+                </a:tc>
+                <a:extLst>
+                  <a:ext uri="{0D108BD9-81ED-4DB2-BD59-A6C34878D82A}">
+                    <a16:rowId xmlns:a16="http://schemas.microsoft.com/office/drawing/2014/main" val="2084686757"/>
+                  </a:ext>
+                </a:extLst>
+              </a:tr>
+              <a:tr h="370840">
+                <a:tc>
+                  <a:txBody>
+                    <a:bodyPr/>
+                    <a:lstStyle/>
+                    <a:p>
+                      <a:endParaRPr lang="en-US"/>
+                    </a:p>
+                  </a:txBody>
+                  <a:tcPr/>
+                </a:tc>
+                <a:tc>
+                  <a:txBody>
+                    <a:bodyPr/>
+                    <a:lstStyle/>
+                    <a:p>
+                      <a:endParaRPr lang="en-US" dirty="0"/>
+                    </a:p>
+                  </a:txBody>
+                  <a:tcPr/>
+                </a:tc>
+                <a:tc>
+                  <a:txBody>
+                    <a:bodyPr/>
+                    <a:lstStyle/>
+                    <a:p>
+                      <a:endParaRPr lang="en-US" dirty="0"/>
+                    </a:p>
+                  </a:txBody>
+                  <a:tcPr/>
+                </a:tc>
+                <a:extLst>
+                  <a:ext uri="{0D108BD9-81ED-4DB2-BD59-A6C34878D82A}">
+                    <a16:rowId xmlns:a16="http://schemas.microsoft.com/office/drawing/2014/main" val="1914916541"/>
+                  </a:ext>
+                </a:extLst>
+              </a:tr>
+              <a:tr h="370840">
+                <a:tc>
+                  <a:txBody>
+                    <a:bodyPr/>
+                    <a:lstStyle/>
+                    <a:p>
+                      <a:endParaRPr lang="en-US"/>
+                    </a:p>
+                  </a:txBody>
+                  <a:tcPr/>
+                </a:tc>
+                <a:tc>
+                  <a:txBody>
+                    <a:bodyPr/>
+                    <a:lstStyle/>
+                    <a:p>
+                      <a:endParaRPr lang="en-US" dirty="0"/>
+                    </a:p>
+                  </a:txBody>
+                  <a:tcPr/>
+                </a:tc>
+                <a:tc>
+                  <a:txBody>
+                    <a:bodyPr/>
+                    <a:lstStyle/>
+                    <a:p>
+                      <a:endParaRPr lang="en-US" dirty="0"/>
+                    </a:p>
+                  </a:txBody>
+                  <a:tcPr/>
+                </a:tc>
+                <a:extLst>
+                  <a:ext uri="{0D108BD9-81ED-4DB2-BD59-A6C34878D82A}">
+                    <a16:rowId xmlns:a16="http://schemas.microsoft.com/office/drawing/2014/main" val="3280864646"/>
+                  </a:ext>
+                </a:extLst>
+              </a:tr>
+              <a:tr h="370840">
+                <a:tc>
+                  <a:txBody>
+                    <a:bodyPr/>
+                    <a:lstStyle/>
+                    <a:p>
+                      <a:endParaRPr lang="en-US"/>
+                    </a:p>
+                  </a:txBody>
+                  <a:tcPr/>
+                </a:tc>
+                <a:tc>
+                  <a:txBody>
+                    <a:bodyPr/>
+                    <a:lstStyle/>
+                    <a:p>
+                      <a:endParaRPr lang="en-US" dirty="0"/>
+                    </a:p>
+                  </a:txBody>
+                  <a:tcPr/>
+                </a:tc>
+                <a:tc>
+                  <a:txBody>
+                    <a:bodyPr/>
+                    <a:lstStyle/>
+                    <a:p>
+                      <a:endParaRPr lang="en-US" dirty="0"/>
+                    </a:p>
+                  </a:txBody>
+                  <a:tcPr/>
+                </a:tc>
+                <a:extLst>
+                  <a:ext uri="{0D108BD9-81ED-4DB2-BD59-A6C34878D82A}">
+                    <a16:rowId xmlns:a16="http://schemas.microsoft.com/office/drawing/2014/main" val="928756302"/>
+                  </a:ext>
+                </a:extLst>
+              </a:tr>
+              <a:tr h="370840">
+                <a:tc>
+                  <a:txBody>
+                    <a:bodyPr/>
+                    <a:lstStyle/>
+                    <a:p>
+                      <a:endParaRPr lang="en-US"/>
+                    </a:p>
+                  </a:txBody>
+                  <a:tcPr/>
+                </a:tc>
+                <a:tc>
+                  <a:txBody>
+                    <a:bodyPr/>
+                    <a:lstStyle/>
+                    <a:p>
+                      <a:endParaRPr lang="en-US" dirty="0"/>
+                    </a:p>
+                  </a:txBody>
+                  <a:tcPr/>
+                </a:tc>
+                <a:tc>
+                  <a:txBody>
+                    <a:bodyPr/>
+                    <a:lstStyle/>
+                    <a:p>
+                      <a:endParaRPr lang="en-US" dirty="0"/>
+                    </a:p>
+                  </a:txBody>
+                  <a:tcPr/>
+                </a:tc>
+                <a:extLst>
+                  <a:ext uri="{0D108BD9-81ED-4DB2-BD59-A6C34878D82A}">
+                    <a16:rowId xmlns:a16="http://schemas.microsoft.com/office/drawing/2014/main" val="1335893196"/>
+                  </a:ext>
+                </a:extLst>
+              </a:tr>
+              <a:tr h="370840">
+                <a:tc>
+                  <a:txBody>
+                    <a:bodyPr/>
+                    <a:lstStyle/>
+                    <a:p>
+                      <a:endParaRPr lang="en-US"/>
+                    </a:p>
+                  </a:txBody>
+                  <a:tcPr/>
+                </a:tc>
+                <a:tc>
+                  <a:txBody>
+                    <a:bodyPr/>
+                    <a:lstStyle/>
+                    <a:p>
+                      <a:endParaRPr lang="en-US" dirty="0"/>
+                    </a:p>
+                  </a:txBody>
+                  <a:tcPr/>
+                </a:tc>
+                <a:tc>
+                  <a:txBody>
+                    <a:bodyPr/>
+                    <a:lstStyle/>
+                    <a:p>
+                      <a:endParaRPr lang="en-US" dirty="0"/>
+                    </a:p>
+                  </a:txBody>
+                  <a:tcPr/>
+                </a:tc>
+                <a:extLst>
+                  <a:ext uri="{0D108BD9-81ED-4DB2-BD59-A6C34878D82A}">
+                    <a16:rowId xmlns:a16="http://schemas.microsoft.com/office/drawing/2014/main" val="3872803588"/>
+                  </a:ext>
+                </a:extLst>
+              </a:tr>
+            </a:tbl>
+          </a:graphicData>
+        </a:graphic>
+      </p:graphicFrame>
+    </p:spTree>
+    <p:extLst>
+      <p:ext uri="{BB962C8B-B14F-4D97-AF65-F5344CB8AC3E}">
+        <p14:creationId xmlns:p14="http://schemas.microsoft.com/office/powerpoint/2010/main" val="724179986"/>
+      </p:ext>
+    </p:extLst>
+  </p:cSld>
+  <p:clrMapOvr>
+    <a:masterClrMapping/>
+  </p:clrMapOvr>
+</p:sld>
+</file>
+
+<file path=ppt/slides/slide17.xml><?xml version="1.0" encoding="utf-8"?>
+<p:sld xmlns:a="http://schemas.openxmlformats.org/drawingml/2006/main" xmlns:r="http://schemas.openxmlformats.org/officeDocument/2006/relationships" xmlns:p="http://schemas.openxmlformats.org/presentationml/2006/main">
+  <p:cSld>
+    <p:spTree>
+      <p:nvGrpSpPr>
+        <p:cNvPr id="1" name=""/>
+        <p:cNvGrpSpPr/>
+        <p:nvPr/>
+      </p:nvGrpSpPr>
+      <p:grpSpPr>
+        <a:xfrm>
+          <a:off x="0" y="0"/>
+          <a:ext cx="0" cy="0"/>
+          <a:chOff x="0" y="0"/>
+          <a:chExt cx="0" cy="0"/>
+        </a:xfrm>
+      </p:grpSpPr>
+      <p:sp>
+        <p:nvSpPr>
+          <p:cNvPr id="2" name="Title 1">
+            <a:extLst>
+              <a:ext uri="{FF2B5EF4-FFF2-40B4-BE49-F238E27FC236}">
+                <a16:creationId xmlns:a16="http://schemas.microsoft.com/office/drawing/2014/main" id="{174FF32D-A61E-BA00-1FF9-28CF3691E7C4}"/>
+              </a:ext>
+            </a:extLst>
+          </p:cNvPr>
+          <p:cNvSpPr>
+            <a:spLocks noGrp="1"/>
+          </p:cNvSpPr>
+          <p:nvPr>
+            <p:ph type="title"/>
+          </p:nvPr>
+        </p:nvSpPr>
+        <p:spPr/>
+        <p:txBody>
+          <a:bodyPr/>
+          <a:lstStyle/>
+          <a:p>
+            <a:r>
+              <a:rPr lang="en-US" dirty="0" err="1"/>
+              <a:t>RandomForest</a:t>
+            </a:r>
+            <a:endParaRPr lang="en-US" dirty="0"/>
+          </a:p>
+        </p:txBody>
+      </p:sp>
+      <p:sp>
+        <p:nvSpPr>
+          <p:cNvPr id="3" name="Content Placeholder 2">
+            <a:extLst>
+              <a:ext uri="{FF2B5EF4-FFF2-40B4-BE49-F238E27FC236}">
+                <a16:creationId xmlns:a16="http://schemas.microsoft.com/office/drawing/2014/main" id="{3D02F75B-55AE-2FB7-60DF-15D7349D4A7C}"/>
+              </a:ext>
+            </a:extLst>
+          </p:cNvPr>
+          <p:cNvSpPr>
+            <a:spLocks noGrp="1"/>
+          </p:cNvSpPr>
+          <p:nvPr>
+            <p:ph idx="1"/>
+          </p:nvPr>
+        </p:nvSpPr>
+        <p:spPr/>
+        <p:txBody>
+          <a:bodyPr>
+            <a:normAutofit fontScale="92500" lnSpcReduction="20000"/>
+          </a:bodyPr>
+          <a:lstStyle/>
+          <a:p>
+            <a:r>
+              <a:rPr lang="en-US" b="1" dirty="0"/>
+              <a:t>Core Idea</a:t>
+            </a:r>
+            <a:r>
+              <a:rPr lang="en-US" dirty="0"/>
+              <a:t>: A Random Forest is an ensemble learning method that builds multiple </a:t>
+            </a:r>
+            <a:r>
+              <a:rPr lang="en-US" b="1" dirty="0"/>
+              <a:t>decision trees</a:t>
+            </a:r>
+            <a:r>
+              <a:rPr lang="en-US" dirty="0"/>
+              <a:t>. Each tree is built on a random subset of features and data. The final prediction is made by taking the majority vote for classification or averaging for regression.</a:t>
+            </a:r>
+          </a:p>
+          <a:p>
+            <a:pPr lvl="1"/>
+            <a:r>
+              <a:rPr lang="en-US" b="1" dirty="0"/>
+              <a:t>Strengths: </a:t>
+            </a:r>
+            <a:r>
+              <a:rPr lang="en-US" dirty="0"/>
+              <a:t>Simple, interpretable, and robust to overfitting.</a:t>
+            </a:r>
+          </a:p>
+          <a:p>
+            <a:pPr lvl="1"/>
+            <a:r>
+              <a:rPr lang="en-US" b="1" dirty="0"/>
+              <a:t>Weakness: </a:t>
+            </a:r>
+            <a:r>
+              <a:rPr lang="en-US" dirty="0"/>
+              <a:t>Slower for large datasets and less accurate than boosting algorithms.</a:t>
+            </a:r>
+            <a:endParaRPr lang="en-US" b="1" dirty="0"/>
+          </a:p>
+        </p:txBody>
+      </p:sp>
+    </p:spTree>
+    <p:extLst>
+      <p:ext uri="{BB962C8B-B14F-4D97-AF65-F5344CB8AC3E}">
+        <p14:creationId xmlns:p14="http://schemas.microsoft.com/office/powerpoint/2010/main" val="3090040600"/>
+      </p:ext>
+    </p:extLst>
+  </p:cSld>
+  <p:clrMapOvr>
+    <a:masterClrMapping/>
+  </p:clrMapOvr>
+</p:sld>
+</file>
+
+<file path=ppt/slides/slide18.xml><?xml version="1.0" encoding="utf-8"?>
+<p:sld xmlns:a="http://schemas.openxmlformats.org/drawingml/2006/main" xmlns:r="http://schemas.openxmlformats.org/officeDocument/2006/relationships" xmlns:p="http://schemas.openxmlformats.org/presentationml/2006/main">
+  <p:cSld>
+    <p:spTree>
+      <p:nvGrpSpPr>
+        <p:cNvPr id="1" name=""/>
+        <p:cNvGrpSpPr/>
+        <p:nvPr/>
+      </p:nvGrpSpPr>
+      <p:grpSpPr>
+        <a:xfrm>
+          <a:off x="0" y="0"/>
+          <a:ext cx="0" cy="0"/>
+          <a:chOff x="0" y="0"/>
+          <a:chExt cx="0" cy="0"/>
+        </a:xfrm>
+      </p:grpSpPr>
+      <p:sp>
+        <p:nvSpPr>
+          <p:cNvPr id="2" name="Title 1">
+            <a:extLst>
+              <a:ext uri="{FF2B5EF4-FFF2-40B4-BE49-F238E27FC236}">
+                <a16:creationId xmlns:a16="http://schemas.microsoft.com/office/drawing/2014/main" id="{174FF32D-A61E-BA00-1FF9-28CF3691E7C4}"/>
+              </a:ext>
+            </a:extLst>
+          </p:cNvPr>
+          <p:cNvSpPr>
+            <a:spLocks noGrp="1"/>
+          </p:cNvSpPr>
+          <p:nvPr>
+            <p:ph type="title"/>
+          </p:nvPr>
+        </p:nvSpPr>
+        <p:spPr/>
+        <p:txBody>
+          <a:bodyPr/>
+          <a:lstStyle/>
+          <a:p>
+            <a:r>
+              <a:rPr lang="en-US" dirty="0" err="1"/>
+              <a:t>RandomForest</a:t>
+            </a:r>
+            <a:endParaRPr lang="en-US" dirty="0"/>
+          </a:p>
+        </p:txBody>
+      </p:sp>
+      <p:sp>
+        <p:nvSpPr>
+          <p:cNvPr id="3" name="Content Placeholder 2">
+            <a:extLst>
+              <a:ext uri="{FF2B5EF4-FFF2-40B4-BE49-F238E27FC236}">
+                <a16:creationId xmlns:a16="http://schemas.microsoft.com/office/drawing/2014/main" id="{3D02F75B-55AE-2FB7-60DF-15D7349D4A7C}"/>
+              </a:ext>
+            </a:extLst>
+          </p:cNvPr>
+          <p:cNvSpPr>
+            <a:spLocks noGrp="1"/>
+          </p:cNvSpPr>
+          <p:nvPr>
+            <p:ph idx="1"/>
+          </p:nvPr>
+        </p:nvSpPr>
+        <p:spPr/>
+        <p:txBody>
+          <a:bodyPr>
+            <a:normAutofit fontScale="92500" lnSpcReduction="20000"/>
+          </a:bodyPr>
+          <a:lstStyle/>
+          <a:p>
+            <a:r>
+              <a:rPr lang="en-US" dirty="0"/>
+              <a:t>Non-linear interactions of phishing data</a:t>
+            </a:r>
+          </a:p>
+          <a:p>
+            <a:pPr lvl="1"/>
+            <a:r>
+              <a:rPr lang="en-US" dirty="0"/>
+              <a:t>E.g., URL structure, metadata, network features.</a:t>
+            </a:r>
+          </a:p>
+          <a:p>
+            <a:r>
+              <a:rPr lang="en-US" dirty="0"/>
+              <a:t>Offers features importance</a:t>
+            </a:r>
+          </a:p>
+          <a:p>
+            <a:pPr lvl="1"/>
+            <a:r>
+              <a:rPr lang="en-US" dirty="0"/>
+              <a:t>Identifying most significant phishing factors important for model interpretation</a:t>
+            </a:r>
+          </a:p>
+          <a:p>
+            <a:r>
+              <a:rPr lang="en-US" dirty="0"/>
+              <a:t>Phishing datasets often imbalanced</a:t>
+            </a:r>
+          </a:p>
+          <a:p>
+            <a:pPr lvl="1"/>
+            <a:r>
+              <a:rPr lang="en-US" dirty="0"/>
+              <a:t>More legitimate than phishing cases</a:t>
+            </a:r>
+          </a:p>
+          <a:p>
+            <a:pPr lvl="1"/>
+            <a:r>
+              <a:rPr lang="en-US" dirty="0"/>
+              <a:t>Adjusts class weights or oversample</a:t>
+            </a:r>
+          </a:p>
+        </p:txBody>
+      </p:sp>
+    </p:spTree>
+    <p:extLst>
+      <p:ext uri="{BB962C8B-B14F-4D97-AF65-F5344CB8AC3E}">
+        <p14:creationId xmlns:p14="http://schemas.microsoft.com/office/powerpoint/2010/main" val="635371012"/>
+      </p:ext>
+    </p:extLst>
+  </p:cSld>
+  <p:clrMapOvr>
+    <a:masterClrMapping/>
+  </p:clrMapOvr>
+</p:sld>
+</file>
+
+<file path=ppt/slides/slide19.xml><?xml version="1.0" encoding="utf-8"?>
+<p:sld xmlns:a="http://schemas.openxmlformats.org/drawingml/2006/main" xmlns:r="http://schemas.openxmlformats.org/officeDocument/2006/relationships" xmlns:p="http://schemas.openxmlformats.org/presentationml/2006/main">
+  <p:cSld>
+    <p:spTree>
+      <p:nvGrpSpPr>
+        <p:cNvPr id="1" name=""/>
+        <p:cNvGrpSpPr/>
+        <p:nvPr/>
+      </p:nvGrpSpPr>
+      <p:grpSpPr>
+        <a:xfrm>
+          <a:off x="0" y="0"/>
+          <a:ext cx="0" cy="0"/>
+          <a:chOff x="0" y="0"/>
+          <a:chExt cx="0" cy="0"/>
+        </a:xfrm>
+      </p:grpSpPr>
+      <p:sp>
+        <p:nvSpPr>
+          <p:cNvPr id="2" name="Title 1">
+            <a:extLst>
+              <a:ext uri="{FF2B5EF4-FFF2-40B4-BE49-F238E27FC236}">
+                <a16:creationId xmlns:a16="http://schemas.microsoft.com/office/drawing/2014/main" id="{174FF32D-A61E-BA00-1FF9-28CF3691E7C4}"/>
+              </a:ext>
+            </a:extLst>
+          </p:cNvPr>
+          <p:cNvSpPr>
+            <a:spLocks noGrp="1"/>
+          </p:cNvSpPr>
+          <p:nvPr>
+            <p:ph type="title"/>
+          </p:nvPr>
+        </p:nvSpPr>
+        <p:spPr/>
+        <p:txBody>
+          <a:bodyPr/>
+          <a:lstStyle/>
+          <a:p>
+            <a:r>
+              <a:rPr lang="en-US" dirty="0" err="1"/>
+              <a:t>RandomForest</a:t>
+            </a:r>
+            <a:endParaRPr lang="en-US" dirty="0"/>
+          </a:p>
+        </p:txBody>
+      </p:sp>
+      <p:pic>
+        <p:nvPicPr>
+          <p:cNvPr id="4" name="Content Placeholder 3">
+            <a:extLst>
+              <a:ext uri="{FF2B5EF4-FFF2-40B4-BE49-F238E27FC236}">
+                <a16:creationId xmlns:a16="http://schemas.microsoft.com/office/drawing/2014/main" id="{0ECAB96C-C718-A3AD-8B1A-C7BD9B8551A7}"/>
+              </a:ext>
+            </a:extLst>
+          </p:cNvPr>
+          <p:cNvPicPr>
+            <a:picLocks noGrp="1" noChangeAspect="1"/>
+          </p:cNvPicPr>
+          <p:nvPr>
+            <p:ph idx="1"/>
+          </p:nvPr>
+        </p:nvPicPr>
+        <p:blipFill>
+          <a:blip r:embed="rId2"/>
+          <a:stretch>
+            <a:fillRect/>
+          </a:stretch>
+        </p:blipFill>
+        <p:spPr>
+          <a:xfrm>
+            <a:off x="143555" y="1324032"/>
+            <a:ext cx="3054100" cy="3819468"/>
+          </a:xfrm>
+          <a:prstGeom prst="rect">
+            <a:avLst/>
+          </a:prstGeom>
+        </p:spPr>
+      </p:pic>
+      <p:sp>
+        <p:nvSpPr>
+          <p:cNvPr id="5" name="Content Placeholder 2">
+            <a:extLst>
+              <a:ext uri="{FF2B5EF4-FFF2-40B4-BE49-F238E27FC236}">
+                <a16:creationId xmlns:a16="http://schemas.microsoft.com/office/drawing/2014/main" id="{6E61EB79-4533-CB5B-9218-A35A13762050}"/>
+              </a:ext>
+            </a:extLst>
+          </p:cNvPr>
+          <p:cNvSpPr txBox="1">
+            <a:spLocks/>
+          </p:cNvSpPr>
+          <p:nvPr/>
+        </p:nvSpPr>
+        <p:spPr>
+          <a:xfrm>
+            <a:off x="3503065" y="1630364"/>
+            <a:ext cx="5497380" cy="3206803"/>
+          </a:xfrm>
+          <a:prstGeom prst="rect">
+            <a:avLst/>
+          </a:prstGeom>
+        </p:spPr>
+        <p:txBody>
+          <a:bodyPr vert="horz" lIns="91440" tIns="45720" rIns="91440" bIns="45720" rtlCol="0">
+            <a:normAutofit/>
+          </a:bodyPr>
+          <a:lstStyle>
+            <a:lvl1pPr marL="342900" indent="-342900" algn="l" defTabSz="914400" rtl="0" eaLnBrk="1" latinLnBrk="0" hangingPunct="1">
+              <a:spcBef>
+                <a:spcPct val="20000"/>
+              </a:spcBef>
+              <a:buFont typeface="Arial" pitchFamily="34" charset="0"/>
+              <a:buChar char="•"/>
+              <a:defRPr sz="2800" kern="1200">
+                <a:solidFill>
+                  <a:schemeClr val="accent5">
+                    <a:lumMod val="75000"/>
+                  </a:schemeClr>
+                </a:solidFill>
+                <a:latin typeface="+mn-lt"/>
+                <a:ea typeface="+mn-ea"/>
+                <a:cs typeface="+mn-cs"/>
+              </a:defRPr>
+            </a:lvl1pPr>
+            <a:lvl2pPr marL="742950" indent="-285750" algn="l" defTabSz="914400" rtl="0" eaLnBrk="1" latinLnBrk="0" hangingPunct="1">
+              <a:spcBef>
+                <a:spcPct val="20000"/>
+              </a:spcBef>
+              <a:buFont typeface="Arial" pitchFamily="34" charset="0"/>
+              <a:buChar char="–"/>
+              <a:defRPr sz="2800" kern="1200">
+                <a:solidFill>
+                  <a:schemeClr val="accent5">
+                    <a:lumMod val="75000"/>
+                  </a:schemeClr>
+                </a:solidFill>
+                <a:latin typeface="+mn-lt"/>
+                <a:ea typeface="+mn-ea"/>
+                <a:cs typeface="+mn-cs"/>
+              </a:defRPr>
+            </a:lvl2pPr>
+            <a:lvl3pPr marL="1143000" indent="-228600" algn="l" defTabSz="914400" rtl="0" eaLnBrk="1" latinLnBrk="0" hangingPunct="1">
+              <a:spcBef>
+                <a:spcPct val="20000"/>
+              </a:spcBef>
+              <a:buFont typeface="Arial" pitchFamily="34" charset="0"/>
+              <a:buChar char="•"/>
+              <a:defRPr sz="2400" kern="1200">
+                <a:solidFill>
+                  <a:schemeClr val="accent5">
+                    <a:lumMod val="75000"/>
+                  </a:schemeClr>
+                </a:solidFill>
+                <a:latin typeface="+mn-lt"/>
+                <a:ea typeface="+mn-ea"/>
+                <a:cs typeface="+mn-cs"/>
+              </a:defRPr>
+            </a:lvl3pPr>
+            <a:lvl4pPr marL="1600200" indent="-228600" algn="l" defTabSz="914400" rtl="0" eaLnBrk="1" latinLnBrk="0" hangingPunct="1">
+              <a:spcBef>
+                <a:spcPct val="20000"/>
+              </a:spcBef>
+              <a:buFont typeface="Arial" pitchFamily="34" charset="0"/>
+              <a:buChar char="–"/>
+              <a:defRPr sz="2000" kern="1200">
+                <a:solidFill>
+                  <a:schemeClr val="accent5">
+                    <a:lumMod val="75000"/>
+                  </a:schemeClr>
+                </a:solidFill>
+                <a:latin typeface="+mn-lt"/>
+                <a:ea typeface="+mn-ea"/>
+                <a:cs typeface="+mn-cs"/>
+              </a:defRPr>
+            </a:lvl4pPr>
+            <a:lvl5pPr marL="2057400" indent="-228600" algn="l" defTabSz="914400" rtl="0" eaLnBrk="1" latinLnBrk="0" hangingPunct="1">
+              <a:spcBef>
+                <a:spcPct val="20000"/>
+              </a:spcBef>
+              <a:buFont typeface="Arial" pitchFamily="34" charset="0"/>
+              <a:buChar char="»"/>
+              <a:defRPr sz="2000" kern="1200">
+                <a:solidFill>
+                  <a:schemeClr val="accent5">
+                    <a:lumMod val="75000"/>
+                  </a:schemeClr>
+                </a:solidFill>
+                <a:latin typeface="+mn-lt"/>
+                <a:ea typeface="+mn-ea"/>
+                <a:cs typeface="+mn-cs"/>
+              </a:defRPr>
+            </a:lvl5pPr>
+            <a:lvl6pPr marL="2514600" indent="-228600" algn="l" defTabSz="914400" rtl="0" eaLnBrk="1" latinLnBrk="0" hangingPunct="1">
+              <a:spcBef>
+                <a:spcPct val="20000"/>
+              </a:spcBef>
+              <a:buFont typeface="Arial" pitchFamily="34" charset="0"/>
+              <a:buChar char="•"/>
+              <a:defRPr sz="2000" kern="1200">
+                <a:solidFill>
+                  <a:schemeClr val="tx1"/>
+                </a:solidFill>
+                <a:latin typeface="+mn-lt"/>
+                <a:ea typeface="+mn-ea"/>
+                <a:cs typeface="+mn-cs"/>
+              </a:defRPr>
+            </a:lvl6pPr>
+            <a:lvl7pPr marL="2971800" indent="-228600" algn="l" defTabSz="914400" rtl="0" eaLnBrk="1" latinLnBrk="0" hangingPunct="1">
+              <a:spcBef>
+                <a:spcPct val="20000"/>
+              </a:spcBef>
+              <a:buFont typeface="Arial" pitchFamily="34" charset="0"/>
+              <a:buChar char="•"/>
+              <a:defRPr sz="2000" kern="1200">
+                <a:solidFill>
+                  <a:schemeClr val="tx1"/>
+                </a:solidFill>
+                <a:latin typeface="+mn-lt"/>
+                <a:ea typeface="+mn-ea"/>
+                <a:cs typeface="+mn-cs"/>
+              </a:defRPr>
+            </a:lvl7pPr>
+            <a:lvl8pPr marL="3429000" indent="-228600" algn="l" defTabSz="914400" rtl="0" eaLnBrk="1" latinLnBrk="0" hangingPunct="1">
+              <a:spcBef>
+                <a:spcPct val="20000"/>
+              </a:spcBef>
+              <a:buFont typeface="Arial" pitchFamily="34" charset="0"/>
+              <a:buChar char="•"/>
+              <a:defRPr sz="2000" kern="1200">
+                <a:solidFill>
+                  <a:schemeClr val="tx1"/>
+                </a:solidFill>
+                <a:latin typeface="+mn-lt"/>
+                <a:ea typeface="+mn-ea"/>
+                <a:cs typeface="+mn-cs"/>
+              </a:defRPr>
+            </a:lvl8pPr>
+            <a:lvl9pPr marL="3886200" indent="-228600" algn="l" defTabSz="914400" rtl="0" eaLnBrk="1" latinLnBrk="0" hangingPunct="1">
+              <a:spcBef>
+                <a:spcPct val="20000"/>
+              </a:spcBef>
+              <a:buFont typeface="Arial" pitchFamily="34" charset="0"/>
+              <a:buChar char="•"/>
+              <a:defRPr sz="2000" kern="1200">
+                <a:solidFill>
+                  <a:schemeClr val="tx1"/>
+                </a:solidFill>
+                <a:latin typeface="+mn-lt"/>
+                <a:ea typeface="+mn-ea"/>
+                <a:cs typeface="+mn-cs"/>
+              </a:defRPr>
+            </a:lvl9pPr>
+          </a:lstStyle>
+          <a:p>
+            <a:r>
+              <a:rPr lang="en-US" dirty="0"/>
+              <a:t>Accuracy of test data before feature selection: 97%</a:t>
+            </a:r>
+          </a:p>
+          <a:p>
+            <a:r>
+              <a:rPr lang="en-US" dirty="0"/>
+              <a:t>Accuracy of test data after feature selection: 96.9%</a:t>
+            </a:r>
+          </a:p>
+        </p:txBody>
+      </p:sp>
+    </p:spTree>
+    <p:extLst>
+      <p:ext uri="{BB962C8B-B14F-4D97-AF65-F5344CB8AC3E}">
+        <p14:creationId xmlns:p14="http://schemas.microsoft.com/office/powerpoint/2010/main" val="1457223093"/>
       </p:ext>
     </p:extLst>
   </p:cSld>
@@ -4241,53 +7013,96 @@
           <a:lstStyle/>
           <a:p>
             <a:r>
-              <a:rPr lang="en-US"/>
-              <a:t>Slide Title</a:t>
+              <a:rPr lang="en-US" dirty="0"/>
+              <a:t>Topics</a:t>
+            </a:r>
+          </a:p>
+        </p:txBody>
+      </p:sp>
+      <p:sp>
+        <p:nvSpPr>
+          <p:cNvPr id="3" name="Content Placeholder 2"/>
+          <p:cNvSpPr>
+            <a:spLocks noGrp="1"/>
+          </p:cNvSpPr>
+          <p:nvPr>
+            <p:ph idx="1"/>
+          </p:nvPr>
+        </p:nvSpPr>
+        <p:spPr/>
+        <p:txBody>
+          <a:bodyPr>
+            <a:normAutofit fontScale="70000" lnSpcReduction="20000"/>
+          </a:bodyPr>
+          <a:lstStyle/>
+          <a:p>
+            <a:r>
+              <a:rPr lang="en-US" dirty="0"/>
+              <a:t>Goals</a:t>
+            </a:r>
+          </a:p>
+          <a:p>
+            <a:r>
+              <a:rPr lang="en-US" dirty="0"/>
+              <a:t>Phishing and URL Basics</a:t>
+            </a:r>
+          </a:p>
+          <a:p>
+            <a:r>
+              <a:rPr lang="en-US" dirty="0"/>
+              <a:t>Overview of Data</a:t>
+            </a:r>
+          </a:p>
+          <a:p>
+            <a:r>
+              <a:rPr lang="en-US" dirty="0"/>
+              <a:t>Basic Analysis and Clean Up</a:t>
+            </a:r>
+          </a:p>
+          <a:p>
+            <a:r>
+              <a:rPr lang="en-US" dirty="0"/>
+              <a:t>Models</a:t>
+            </a:r>
+          </a:p>
+          <a:p>
+            <a:pPr lvl="1"/>
+            <a:r>
+              <a:rPr lang="en-US" dirty="0" err="1"/>
+              <a:t>RandomForest</a:t>
             </a:r>
             <a:endParaRPr lang="en-US" dirty="0"/>
           </a:p>
-        </p:txBody>
-      </p:sp>
-      <p:sp>
-        <p:nvSpPr>
-          <p:cNvPr id="3" name="Content Placeholder 2"/>
-          <p:cNvSpPr>
-            <a:spLocks noGrp="1"/>
-          </p:cNvSpPr>
-          <p:nvPr>
-            <p:ph idx="1"/>
-          </p:nvPr>
-        </p:nvSpPr>
-        <p:spPr/>
-        <p:txBody>
-          <a:bodyPr/>
-          <a:lstStyle/>
-          <a:p>
-            <a:r>
-              <a:rPr lang="en-US"/>
-              <a:t>Make Effective Presentations</a:t>
-            </a:r>
-          </a:p>
-          <a:p>
-            <a:r>
-              <a:rPr lang="en-US"/>
-              <a:t>Using Awesome Backgrounds</a:t>
-            </a:r>
-          </a:p>
-          <a:p>
-            <a:r>
-              <a:rPr lang="en-US"/>
-              <a:t>Engage your Audience</a:t>
-            </a:r>
-          </a:p>
-          <a:p>
-            <a:r>
-              <a:rPr lang="en-US"/>
-              <a:t>Capture Audience Attention</a:t>
-            </a:r>
-          </a:p>
-          <a:p>
-            <a:endParaRPr lang="en-US"/>
+          <a:p>
+            <a:pPr lvl="1"/>
+            <a:r>
+              <a:rPr lang="en-US" dirty="0" err="1"/>
+              <a:t>LightGBM</a:t>
+            </a:r>
+            <a:endParaRPr lang="en-US" dirty="0"/>
+          </a:p>
+          <a:p>
+            <a:pPr lvl="1"/>
+            <a:r>
+              <a:rPr lang="en-US" dirty="0" err="1"/>
+              <a:t>XGBoost</a:t>
+            </a:r>
+            <a:endParaRPr lang="en-US" dirty="0"/>
+          </a:p>
+          <a:p>
+            <a:r>
+              <a:rPr lang="en-US" dirty="0"/>
+              <a:t>What We Learned</a:t>
+            </a:r>
+          </a:p>
+          <a:p>
+            <a:r>
+              <a:rPr lang="en-US" dirty="0"/>
+              <a:t>Questions</a:t>
+            </a:r>
+          </a:p>
+          <a:p>
+            <a:endParaRPr lang="en-US" dirty="0"/>
           </a:p>
           <a:p>
             <a:endParaRPr lang="en-US" dirty="0"/>
@@ -4307,7 +7122,7 @@
 </p:sld>
 </file>
 
-<file path=ppt/slides/slide3.xml><?xml version="1.0" encoding="utf-8"?>
+<file path=ppt/slides/slide20.xml><?xml version="1.0" encoding="utf-8"?>
 <p:sld xmlns:a="http://schemas.openxmlformats.org/drawingml/2006/main" xmlns:r="http://schemas.openxmlformats.org/officeDocument/2006/relationships" xmlns:p="http://schemas.openxmlformats.org/presentationml/2006/main">
   <p:cSld>
     <p:spTree>
@@ -4326,7 +7141,13 @@
       </p:grpSpPr>
       <p:sp>
         <p:nvSpPr>
-          <p:cNvPr id="4" name="Title 3"/>
+          <p:cNvPr id="2" name="Title 1">
+            <a:extLst>
+              <a:ext uri="{FF2B5EF4-FFF2-40B4-BE49-F238E27FC236}">
+                <a16:creationId xmlns:a16="http://schemas.microsoft.com/office/drawing/2014/main" id="{174FF32D-A61E-BA00-1FF9-28CF3691E7C4}"/>
+              </a:ext>
+            </a:extLst>
+          </p:cNvPr>
           <p:cNvSpPr>
             <a:spLocks noGrp="1"/>
           </p:cNvSpPr>
@@ -4336,14 +7157,12 @@
         </p:nvSpPr>
         <p:spPr/>
         <p:txBody>
-          <a:bodyPr>
-            <a:normAutofit/>
-          </a:bodyPr>
-          <a:lstStyle/>
-          <a:p>
-            <a:r>
-              <a:rPr lang="en-US"/>
-              <a:t>Slide Title</a:t>
+          <a:bodyPr/>
+          <a:lstStyle/>
+          <a:p>
+            <a:r>
+              <a:rPr lang="en-US" dirty="0" err="1"/>
+              <a:t>RandomForest</a:t>
             </a:r>
             <a:endParaRPr lang="en-US" dirty="0"/>
           </a:p>
@@ -4351,7 +7170,13 @@
       </p:sp>
       <p:sp>
         <p:nvSpPr>
-          <p:cNvPr id="5" name="Content Placeholder 4"/>
+          <p:cNvPr id="6" name="Content Placeholder 5">
+            <a:extLst>
+              <a:ext uri="{FF2B5EF4-FFF2-40B4-BE49-F238E27FC236}">
+                <a16:creationId xmlns:a16="http://schemas.microsoft.com/office/drawing/2014/main" id="{AEEBE766-5978-DF66-2267-5411E162E95B}"/>
+              </a:ext>
+            </a:extLst>
+          </p:cNvPr>
           <p:cNvSpPr>
             <a:spLocks noGrp="1"/>
           </p:cNvSpPr>
@@ -4365,35 +7190,16 @@
           <a:lstStyle/>
           <a:p>
             <a:r>
-              <a:rPr lang="en-US"/>
-              <a:t>Make Effective Presentations</a:t>
-            </a:r>
-          </a:p>
-          <a:p>
-            <a:r>
-              <a:rPr lang="en-US"/>
-              <a:t>Using Awesome Backgrounds</a:t>
-            </a:r>
-          </a:p>
-          <a:p>
-            <a:r>
-              <a:rPr lang="en-US"/>
-              <a:t>Engage your Audience</a:t>
-            </a:r>
-          </a:p>
-          <a:p>
-            <a:r>
-              <a:rPr lang="en-US"/>
-              <a:t>Capture Audience Attention</a:t>
-            </a:r>
-            <a:endParaRPr lang="en-US" dirty="0"/>
+              <a:rPr lang="en-US" dirty="0"/>
+              <a:t>Table to compare feature set of all three models</a:t>
+            </a:r>
           </a:p>
         </p:txBody>
       </p:sp>
     </p:spTree>
     <p:extLst>
       <p:ext uri="{BB962C8B-B14F-4D97-AF65-F5344CB8AC3E}">
-        <p14:creationId xmlns:p14="http://schemas.microsoft.com/office/powerpoint/2010/main" val="1101633878"/>
+        <p14:creationId xmlns:p14="http://schemas.microsoft.com/office/powerpoint/2010/main" val="1808330650"/>
       </p:ext>
     </p:extLst>
   </p:cSld>
@@ -4403,7 +7209,7 @@
 </p:sld>
 </file>
 
-<file path=ppt/slides/slide4.xml><?xml version="1.0" encoding="utf-8"?>
+<file path=ppt/slides/slide21.xml><?xml version="1.0" encoding="utf-8"?>
 <p:sld xmlns:a="http://schemas.openxmlformats.org/drawingml/2006/main" xmlns:r="http://schemas.openxmlformats.org/officeDocument/2006/relationships" xmlns:p="http://schemas.openxmlformats.org/presentationml/2006/main">
   <p:cSld>
     <p:spTree>
@@ -4422,6 +7228,523 @@
       </p:grpSpPr>
       <p:sp>
         <p:nvSpPr>
+          <p:cNvPr id="2" name="Title 1">
+            <a:extLst>
+              <a:ext uri="{FF2B5EF4-FFF2-40B4-BE49-F238E27FC236}">
+                <a16:creationId xmlns:a16="http://schemas.microsoft.com/office/drawing/2014/main" id="{174FF32D-A61E-BA00-1FF9-28CF3691E7C4}"/>
+              </a:ext>
+            </a:extLst>
+          </p:cNvPr>
+          <p:cNvSpPr>
+            <a:spLocks noGrp="1"/>
+          </p:cNvSpPr>
+          <p:nvPr>
+            <p:ph type="title"/>
+          </p:nvPr>
+        </p:nvSpPr>
+        <p:spPr/>
+        <p:txBody>
+          <a:bodyPr/>
+          <a:lstStyle/>
+          <a:p>
+            <a:r>
+              <a:rPr lang="en-US" dirty="0" err="1"/>
+              <a:t>RandomForest</a:t>
+            </a:r>
+            <a:endParaRPr lang="en-US" dirty="0"/>
+          </a:p>
+        </p:txBody>
+      </p:sp>
+      <p:sp>
+        <p:nvSpPr>
+          <p:cNvPr id="6" name="Content Placeholder 5">
+            <a:extLst>
+              <a:ext uri="{FF2B5EF4-FFF2-40B4-BE49-F238E27FC236}">
+                <a16:creationId xmlns:a16="http://schemas.microsoft.com/office/drawing/2014/main" id="{AEEBE766-5978-DF66-2267-5411E162E95B}"/>
+              </a:ext>
+            </a:extLst>
+          </p:cNvPr>
+          <p:cNvSpPr>
+            <a:spLocks noGrp="1"/>
+          </p:cNvSpPr>
+          <p:nvPr>
+            <p:ph idx="1"/>
+          </p:nvPr>
+        </p:nvSpPr>
+        <p:spPr/>
+        <p:txBody>
+          <a:bodyPr/>
+          <a:lstStyle/>
+          <a:p>
+            <a:r>
+              <a:rPr lang="en-US" dirty="0"/>
+              <a:t>Table to compare accuracy of all three models</a:t>
+            </a:r>
+          </a:p>
+        </p:txBody>
+      </p:sp>
+    </p:spTree>
+    <p:extLst>
+      <p:ext uri="{BB962C8B-B14F-4D97-AF65-F5344CB8AC3E}">
+        <p14:creationId xmlns:p14="http://schemas.microsoft.com/office/powerpoint/2010/main" val="1641937556"/>
+      </p:ext>
+    </p:extLst>
+  </p:cSld>
+  <p:clrMapOvr>
+    <a:masterClrMapping/>
+  </p:clrMapOvr>
+</p:sld>
+</file>
+
+<file path=ppt/slides/slide22.xml><?xml version="1.0" encoding="utf-8"?>
+<p:sld xmlns:a="http://schemas.openxmlformats.org/drawingml/2006/main" xmlns:r="http://schemas.openxmlformats.org/officeDocument/2006/relationships" xmlns:p="http://schemas.openxmlformats.org/presentationml/2006/main">
+  <p:cSld>
+    <p:spTree>
+      <p:nvGrpSpPr>
+        <p:cNvPr id="1" name=""/>
+        <p:cNvGrpSpPr/>
+        <p:nvPr/>
+      </p:nvGrpSpPr>
+      <p:grpSpPr>
+        <a:xfrm>
+          <a:off x="0" y="0"/>
+          <a:ext cx="0" cy="0"/>
+          <a:chOff x="0" y="0"/>
+          <a:chExt cx="0" cy="0"/>
+        </a:xfrm>
+      </p:grpSpPr>
+      <p:sp>
+        <p:nvSpPr>
+          <p:cNvPr id="2" name="Title 1">
+            <a:extLst>
+              <a:ext uri="{FF2B5EF4-FFF2-40B4-BE49-F238E27FC236}">
+                <a16:creationId xmlns:a16="http://schemas.microsoft.com/office/drawing/2014/main" id="{99D724FA-984D-0045-0ACB-424CE0D43D21}"/>
+              </a:ext>
+            </a:extLst>
+          </p:cNvPr>
+          <p:cNvSpPr>
+            <a:spLocks noGrp="1"/>
+          </p:cNvSpPr>
+          <p:nvPr>
+            <p:ph type="title"/>
+          </p:nvPr>
+        </p:nvSpPr>
+        <p:spPr/>
+        <p:txBody>
+          <a:bodyPr/>
+          <a:lstStyle/>
+          <a:p>
+            <a:r>
+              <a:rPr lang="en-US" dirty="0" err="1"/>
+              <a:t>LightGBM</a:t>
+            </a:r>
+            <a:endParaRPr lang="en-US" dirty="0"/>
+          </a:p>
+        </p:txBody>
+      </p:sp>
+      <p:sp>
+        <p:nvSpPr>
+          <p:cNvPr id="3" name="Content Placeholder 2">
+            <a:extLst>
+              <a:ext uri="{FF2B5EF4-FFF2-40B4-BE49-F238E27FC236}">
+                <a16:creationId xmlns:a16="http://schemas.microsoft.com/office/drawing/2014/main" id="{C9B235AB-E2EC-235A-7965-1DE08E08DB1A}"/>
+              </a:ext>
+            </a:extLst>
+          </p:cNvPr>
+          <p:cNvSpPr>
+            <a:spLocks noGrp="1"/>
+          </p:cNvSpPr>
+          <p:nvPr>
+            <p:ph idx="1"/>
+          </p:nvPr>
+        </p:nvSpPr>
+        <p:spPr/>
+        <p:txBody>
+          <a:bodyPr/>
+          <a:lstStyle/>
+          <a:p>
+            <a:endParaRPr lang="en-US"/>
+          </a:p>
+        </p:txBody>
+      </p:sp>
+    </p:spTree>
+    <p:extLst>
+      <p:ext uri="{BB962C8B-B14F-4D97-AF65-F5344CB8AC3E}">
+        <p14:creationId xmlns:p14="http://schemas.microsoft.com/office/powerpoint/2010/main" val="1673690182"/>
+      </p:ext>
+    </p:extLst>
+  </p:cSld>
+  <p:clrMapOvr>
+    <a:masterClrMapping/>
+  </p:clrMapOvr>
+</p:sld>
+</file>
+
+<file path=ppt/slides/slide23.xml><?xml version="1.0" encoding="utf-8"?>
+<p:sld xmlns:a="http://schemas.openxmlformats.org/drawingml/2006/main" xmlns:r="http://schemas.openxmlformats.org/officeDocument/2006/relationships" xmlns:p="http://schemas.openxmlformats.org/presentationml/2006/main">
+  <p:cSld>
+    <p:spTree>
+      <p:nvGrpSpPr>
+        <p:cNvPr id="1" name=""/>
+        <p:cNvGrpSpPr/>
+        <p:nvPr/>
+      </p:nvGrpSpPr>
+      <p:grpSpPr>
+        <a:xfrm>
+          <a:off x="0" y="0"/>
+          <a:ext cx="0" cy="0"/>
+          <a:chOff x="0" y="0"/>
+          <a:chExt cx="0" cy="0"/>
+        </a:xfrm>
+      </p:grpSpPr>
+      <p:sp>
+        <p:nvSpPr>
+          <p:cNvPr id="2" name="Title 1">
+            <a:extLst>
+              <a:ext uri="{FF2B5EF4-FFF2-40B4-BE49-F238E27FC236}">
+                <a16:creationId xmlns:a16="http://schemas.microsoft.com/office/drawing/2014/main" id="{0819CA3E-813A-6305-1B93-E3070154CD8B}"/>
+              </a:ext>
+            </a:extLst>
+          </p:cNvPr>
+          <p:cNvSpPr>
+            <a:spLocks noGrp="1"/>
+          </p:cNvSpPr>
+          <p:nvPr>
+            <p:ph type="title"/>
+          </p:nvPr>
+        </p:nvSpPr>
+        <p:spPr/>
+        <p:txBody>
+          <a:bodyPr/>
+          <a:lstStyle/>
+          <a:p>
+            <a:r>
+              <a:rPr lang="en-US" dirty="0" err="1"/>
+              <a:t>XGBoost</a:t>
+            </a:r>
+            <a:endParaRPr lang="en-US" dirty="0"/>
+          </a:p>
+        </p:txBody>
+      </p:sp>
+      <p:sp>
+        <p:nvSpPr>
+          <p:cNvPr id="3" name="Content Placeholder 2">
+            <a:extLst>
+              <a:ext uri="{FF2B5EF4-FFF2-40B4-BE49-F238E27FC236}">
+                <a16:creationId xmlns:a16="http://schemas.microsoft.com/office/drawing/2014/main" id="{C7D1410E-ACDA-B9A0-C579-7D0281A76537}"/>
+              </a:ext>
+            </a:extLst>
+          </p:cNvPr>
+          <p:cNvSpPr>
+            <a:spLocks noGrp="1"/>
+          </p:cNvSpPr>
+          <p:nvPr>
+            <p:ph idx="1"/>
+          </p:nvPr>
+        </p:nvSpPr>
+        <p:spPr/>
+        <p:txBody>
+          <a:bodyPr/>
+          <a:lstStyle/>
+          <a:p>
+            <a:endParaRPr lang="en-US"/>
+          </a:p>
+        </p:txBody>
+      </p:sp>
+    </p:spTree>
+    <p:extLst>
+      <p:ext uri="{BB962C8B-B14F-4D97-AF65-F5344CB8AC3E}">
+        <p14:creationId xmlns:p14="http://schemas.microsoft.com/office/powerpoint/2010/main" val="2880679454"/>
+      </p:ext>
+    </p:extLst>
+  </p:cSld>
+  <p:clrMapOvr>
+    <a:masterClrMapping/>
+  </p:clrMapOvr>
+</p:sld>
+</file>
+
+<file path=ppt/slides/slide24.xml><?xml version="1.0" encoding="utf-8"?>
+<p:sld xmlns:a="http://schemas.openxmlformats.org/drawingml/2006/main" xmlns:r="http://schemas.openxmlformats.org/officeDocument/2006/relationships" xmlns:p="http://schemas.openxmlformats.org/presentationml/2006/main">
+  <p:cSld>
+    <p:spTree>
+      <p:nvGrpSpPr>
+        <p:cNvPr id="1" name=""/>
+        <p:cNvGrpSpPr/>
+        <p:nvPr/>
+      </p:nvGrpSpPr>
+      <p:grpSpPr>
+        <a:xfrm>
+          <a:off x="0" y="0"/>
+          <a:ext cx="0" cy="0"/>
+          <a:chOff x="0" y="0"/>
+          <a:chExt cx="0" cy="0"/>
+        </a:xfrm>
+      </p:grpSpPr>
+      <p:sp>
+        <p:nvSpPr>
+          <p:cNvPr id="2" name="Title 1">
+            <a:extLst>
+              <a:ext uri="{FF2B5EF4-FFF2-40B4-BE49-F238E27FC236}">
+                <a16:creationId xmlns:a16="http://schemas.microsoft.com/office/drawing/2014/main" id="{18627A7C-1582-FE3A-89E5-1CDE09C8B807}"/>
+              </a:ext>
+            </a:extLst>
+          </p:cNvPr>
+          <p:cNvSpPr>
+            <a:spLocks noGrp="1"/>
+          </p:cNvSpPr>
+          <p:nvPr>
+            <p:ph type="title"/>
+          </p:nvPr>
+        </p:nvSpPr>
+        <p:spPr/>
+        <p:txBody>
+          <a:bodyPr/>
+          <a:lstStyle/>
+          <a:p>
+            <a:r>
+              <a:rPr lang="en-US" dirty="0"/>
+              <a:t>Next Steps</a:t>
+            </a:r>
+          </a:p>
+        </p:txBody>
+      </p:sp>
+      <p:sp>
+        <p:nvSpPr>
+          <p:cNvPr id="3" name="Content Placeholder 2">
+            <a:extLst>
+              <a:ext uri="{FF2B5EF4-FFF2-40B4-BE49-F238E27FC236}">
+                <a16:creationId xmlns:a16="http://schemas.microsoft.com/office/drawing/2014/main" id="{56308DAC-A426-B66D-55EF-66DF34285C04}"/>
+              </a:ext>
+            </a:extLst>
+          </p:cNvPr>
+          <p:cNvSpPr>
+            <a:spLocks noGrp="1"/>
+          </p:cNvSpPr>
+          <p:nvPr>
+            <p:ph idx="1"/>
+          </p:nvPr>
+        </p:nvSpPr>
+        <p:spPr/>
+        <p:txBody>
+          <a:bodyPr/>
+          <a:lstStyle/>
+          <a:p>
+            <a:endParaRPr lang="en-US" dirty="0"/>
+          </a:p>
+        </p:txBody>
+      </p:sp>
+    </p:spTree>
+    <p:extLst>
+      <p:ext uri="{BB962C8B-B14F-4D97-AF65-F5344CB8AC3E}">
+        <p14:creationId xmlns:p14="http://schemas.microsoft.com/office/powerpoint/2010/main" val="3305554935"/>
+      </p:ext>
+    </p:extLst>
+  </p:cSld>
+  <p:clrMapOvr>
+    <a:masterClrMapping/>
+  </p:clrMapOvr>
+</p:sld>
+</file>
+
+<file path=ppt/slides/slide25.xml><?xml version="1.0" encoding="utf-8"?>
+<p:sld xmlns:a="http://schemas.openxmlformats.org/drawingml/2006/main" xmlns:r="http://schemas.openxmlformats.org/officeDocument/2006/relationships" xmlns:p="http://schemas.openxmlformats.org/presentationml/2006/main">
+  <p:cSld>
+    <p:spTree>
+      <p:nvGrpSpPr>
+        <p:cNvPr id="1" name=""/>
+        <p:cNvGrpSpPr/>
+        <p:nvPr/>
+      </p:nvGrpSpPr>
+      <p:grpSpPr>
+        <a:xfrm>
+          <a:off x="0" y="0"/>
+          <a:ext cx="0" cy="0"/>
+          <a:chOff x="0" y="0"/>
+          <a:chExt cx="0" cy="0"/>
+        </a:xfrm>
+      </p:grpSpPr>
+      <p:sp>
+        <p:nvSpPr>
+          <p:cNvPr id="2" name="Title 1">
+            <a:extLst>
+              <a:ext uri="{FF2B5EF4-FFF2-40B4-BE49-F238E27FC236}">
+                <a16:creationId xmlns:a16="http://schemas.microsoft.com/office/drawing/2014/main" id="{86C30DDD-6A22-BB2E-3290-E8035C16475C}"/>
+              </a:ext>
+            </a:extLst>
+          </p:cNvPr>
+          <p:cNvSpPr>
+            <a:spLocks noGrp="1"/>
+          </p:cNvSpPr>
+          <p:nvPr>
+            <p:ph type="title"/>
+          </p:nvPr>
+        </p:nvSpPr>
+        <p:spPr/>
+        <p:txBody>
+          <a:bodyPr/>
+          <a:lstStyle/>
+          <a:p>
+            <a:r>
+              <a:rPr lang="en-US" dirty="0"/>
+              <a:t>Questions</a:t>
+            </a:r>
+          </a:p>
+        </p:txBody>
+      </p:sp>
+      <p:sp>
+        <p:nvSpPr>
+          <p:cNvPr id="3" name="Content Placeholder 2">
+            <a:extLst>
+              <a:ext uri="{FF2B5EF4-FFF2-40B4-BE49-F238E27FC236}">
+                <a16:creationId xmlns:a16="http://schemas.microsoft.com/office/drawing/2014/main" id="{81E33623-4329-923B-95B4-6C91B534A2FB}"/>
+              </a:ext>
+            </a:extLst>
+          </p:cNvPr>
+          <p:cNvSpPr>
+            <a:spLocks noGrp="1"/>
+          </p:cNvSpPr>
+          <p:nvPr>
+            <p:ph idx="1"/>
+          </p:nvPr>
+        </p:nvSpPr>
+        <p:spPr/>
+        <p:txBody>
+          <a:bodyPr/>
+          <a:lstStyle/>
+          <a:p>
+            <a:endParaRPr lang="en-US" dirty="0"/>
+          </a:p>
+        </p:txBody>
+      </p:sp>
+    </p:spTree>
+    <p:extLst>
+      <p:ext uri="{BB962C8B-B14F-4D97-AF65-F5344CB8AC3E}">
+        <p14:creationId xmlns:p14="http://schemas.microsoft.com/office/powerpoint/2010/main" val="3473429987"/>
+      </p:ext>
+    </p:extLst>
+  </p:cSld>
+  <p:clrMapOvr>
+    <a:masterClrMapping/>
+  </p:clrMapOvr>
+</p:sld>
+</file>
+
+<file path=ppt/slides/slide26.xml><?xml version="1.0" encoding="utf-8"?>
+<p:sld xmlns:a="http://schemas.openxmlformats.org/drawingml/2006/main" xmlns:r="http://schemas.openxmlformats.org/officeDocument/2006/relationships" xmlns:p="http://schemas.openxmlformats.org/presentationml/2006/main">
+  <p:cSld>
+    <p:spTree>
+      <p:nvGrpSpPr>
+        <p:cNvPr id="1" name=""/>
+        <p:cNvGrpSpPr/>
+        <p:nvPr/>
+      </p:nvGrpSpPr>
+      <p:grpSpPr>
+        <a:xfrm>
+          <a:off x="0" y="0"/>
+          <a:ext cx="0" cy="0"/>
+          <a:chOff x="0" y="0"/>
+          <a:chExt cx="0" cy="0"/>
+        </a:xfrm>
+      </p:grpSpPr>
+      <p:sp>
+        <p:nvSpPr>
+          <p:cNvPr id="4" name="Title 3"/>
+          <p:cNvSpPr>
+            <a:spLocks noGrp="1"/>
+          </p:cNvSpPr>
+          <p:nvPr>
+            <p:ph type="title"/>
+          </p:nvPr>
+        </p:nvSpPr>
+        <p:spPr/>
+        <p:txBody>
+          <a:bodyPr>
+            <a:normAutofit/>
+          </a:bodyPr>
+          <a:lstStyle/>
+          <a:p>
+            <a:r>
+              <a:rPr lang="en-US"/>
+              <a:t>Slide Title</a:t>
+            </a:r>
+            <a:endParaRPr lang="en-US" dirty="0"/>
+          </a:p>
+        </p:txBody>
+      </p:sp>
+      <p:sp>
+        <p:nvSpPr>
+          <p:cNvPr id="5" name="Content Placeholder 4"/>
+          <p:cNvSpPr>
+            <a:spLocks noGrp="1"/>
+          </p:cNvSpPr>
+          <p:nvPr>
+            <p:ph idx="1"/>
+          </p:nvPr>
+        </p:nvSpPr>
+        <p:spPr/>
+        <p:txBody>
+          <a:bodyPr/>
+          <a:lstStyle/>
+          <a:p>
+            <a:r>
+              <a:rPr lang="en-US"/>
+              <a:t>Make Effective Presentations</a:t>
+            </a:r>
+          </a:p>
+          <a:p>
+            <a:r>
+              <a:rPr lang="en-US"/>
+              <a:t>Using Awesome Backgrounds</a:t>
+            </a:r>
+          </a:p>
+          <a:p>
+            <a:r>
+              <a:rPr lang="en-US"/>
+              <a:t>Engage your Audience</a:t>
+            </a:r>
+          </a:p>
+          <a:p>
+            <a:r>
+              <a:rPr lang="en-US"/>
+              <a:t>Capture Audience Attention</a:t>
+            </a:r>
+            <a:endParaRPr lang="en-US" dirty="0"/>
+          </a:p>
+        </p:txBody>
+      </p:sp>
+    </p:spTree>
+    <p:extLst>
+      <p:ext uri="{BB962C8B-B14F-4D97-AF65-F5344CB8AC3E}">
+        <p14:creationId xmlns:p14="http://schemas.microsoft.com/office/powerpoint/2010/main" val="1101633878"/>
+      </p:ext>
+    </p:extLst>
+  </p:cSld>
+  <p:clrMapOvr>
+    <a:masterClrMapping/>
+  </p:clrMapOvr>
+</p:sld>
+</file>
+
+<file path=ppt/slides/slide27.xml><?xml version="1.0" encoding="utf-8"?>
+<p:sld xmlns:a="http://schemas.openxmlformats.org/drawingml/2006/main" xmlns:r="http://schemas.openxmlformats.org/officeDocument/2006/relationships" xmlns:p="http://schemas.openxmlformats.org/presentationml/2006/main">
+  <p:cSld>
+    <p:spTree>
+      <p:nvGrpSpPr>
+        <p:cNvPr id="1" name=""/>
+        <p:cNvGrpSpPr/>
+        <p:nvPr/>
+      </p:nvGrpSpPr>
+      <p:grpSpPr>
+        <a:xfrm>
+          <a:off x="0" y="0"/>
+          <a:ext cx="0" cy="0"/>
+          <a:chOff x="0" y="0"/>
+          <a:chExt cx="0" cy="0"/>
+        </a:xfrm>
+      </p:grpSpPr>
+      <p:sp>
+        <p:nvSpPr>
           <p:cNvPr id="4" name="Title 3"/>
           <p:cNvSpPr>
             <a:spLocks noGrp="1"/>
@@ -4572,7 +7895,7 @@
 </p:sld>
 </file>
 
-<file path=ppt/slides/slide5.xml><?xml version="1.0" encoding="utf-8"?>
+<file path=ppt/slides/slide28.xml><?xml version="1.0" encoding="utf-8"?>
 <p:sld xmlns:a="http://schemas.openxmlformats.org/drawingml/2006/main" xmlns:r="http://schemas.openxmlformats.org/officeDocument/2006/relationships" xmlns:p="http://schemas.openxmlformats.org/presentationml/2006/main">
   <p:cSld>
     <p:spTree>
@@ -4636,6 +7959,1171 @@
     <p:extLst>
       <p:ext uri="{BB962C8B-B14F-4D97-AF65-F5344CB8AC3E}">
         <p14:creationId xmlns:p14="http://schemas.microsoft.com/office/powerpoint/2010/main" val="109100692"/>
+      </p:ext>
+    </p:extLst>
+  </p:cSld>
+  <p:clrMapOvr>
+    <a:masterClrMapping/>
+  </p:clrMapOvr>
+</p:sld>
+</file>
+
+<file path=ppt/slides/slide3.xml><?xml version="1.0" encoding="utf-8"?>
+<p:sld xmlns:a="http://schemas.openxmlformats.org/drawingml/2006/main" xmlns:r="http://schemas.openxmlformats.org/officeDocument/2006/relationships" xmlns:p="http://schemas.openxmlformats.org/presentationml/2006/main">
+  <p:cSld>
+    <p:spTree>
+      <p:nvGrpSpPr>
+        <p:cNvPr id="1" name=""/>
+        <p:cNvGrpSpPr/>
+        <p:nvPr/>
+      </p:nvGrpSpPr>
+      <p:grpSpPr>
+        <a:xfrm>
+          <a:off x="0" y="0"/>
+          <a:ext cx="0" cy="0"/>
+          <a:chOff x="0" y="0"/>
+          <a:chExt cx="0" cy="0"/>
+        </a:xfrm>
+      </p:grpSpPr>
+      <p:sp>
+        <p:nvSpPr>
+          <p:cNvPr id="2" name="Title 1">
+            <a:extLst>
+              <a:ext uri="{FF2B5EF4-FFF2-40B4-BE49-F238E27FC236}">
+                <a16:creationId xmlns:a16="http://schemas.microsoft.com/office/drawing/2014/main" id="{6490D327-7C3F-534D-0755-59E4A9B5A4AF}"/>
+              </a:ext>
+            </a:extLst>
+          </p:cNvPr>
+          <p:cNvSpPr>
+            <a:spLocks noGrp="1"/>
+          </p:cNvSpPr>
+          <p:nvPr>
+            <p:ph type="title"/>
+          </p:nvPr>
+        </p:nvSpPr>
+        <p:spPr/>
+        <p:txBody>
+          <a:bodyPr/>
+          <a:lstStyle/>
+          <a:p>
+            <a:r>
+              <a:rPr lang="en-US" dirty="0"/>
+              <a:t>Goals</a:t>
+            </a:r>
+          </a:p>
+        </p:txBody>
+      </p:sp>
+      <p:sp>
+        <p:nvSpPr>
+          <p:cNvPr id="3" name="Content Placeholder 2">
+            <a:extLst>
+              <a:ext uri="{FF2B5EF4-FFF2-40B4-BE49-F238E27FC236}">
+                <a16:creationId xmlns:a16="http://schemas.microsoft.com/office/drawing/2014/main" id="{90D2839E-8275-AE7E-2BE6-434B131FF91D}"/>
+              </a:ext>
+            </a:extLst>
+          </p:cNvPr>
+          <p:cNvSpPr>
+            <a:spLocks noGrp="1"/>
+          </p:cNvSpPr>
+          <p:nvPr>
+            <p:ph idx="1"/>
+          </p:nvPr>
+        </p:nvSpPr>
+        <p:spPr/>
+        <p:txBody>
+          <a:bodyPr/>
+          <a:lstStyle/>
+          <a:p>
+            <a:r>
+              <a:rPr lang="en-US" dirty="0"/>
+              <a:t>Can we accurately predict phishing URLs</a:t>
+            </a:r>
+          </a:p>
+          <a:p>
+            <a:r>
+              <a:rPr lang="en-US" dirty="0"/>
+              <a:t>Use 3 different ML Models and compare the results</a:t>
+            </a:r>
+          </a:p>
+          <a:p>
+            <a:r>
+              <a:rPr lang="en-US" dirty="0"/>
+              <a:t>Meet all requirements of Project 2</a:t>
+            </a:r>
+          </a:p>
+        </p:txBody>
+      </p:sp>
+    </p:spTree>
+    <p:extLst>
+      <p:ext uri="{BB962C8B-B14F-4D97-AF65-F5344CB8AC3E}">
+        <p14:creationId xmlns:p14="http://schemas.microsoft.com/office/powerpoint/2010/main" val="1170720626"/>
+      </p:ext>
+    </p:extLst>
+  </p:cSld>
+  <p:clrMapOvr>
+    <a:masterClrMapping/>
+  </p:clrMapOvr>
+</p:sld>
+</file>
+
+<file path=ppt/slides/slide4.xml><?xml version="1.0" encoding="utf-8"?>
+<p:sld xmlns:a="http://schemas.openxmlformats.org/drawingml/2006/main" xmlns:r="http://schemas.openxmlformats.org/officeDocument/2006/relationships" xmlns:p="http://schemas.openxmlformats.org/presentationml/2006/main">
+  <p:cSld>
+    <p:spTree>
+      <p:nvGrpSpPr>
+        <p:cNvPr id="1" name=""/>
+        <p:cNvGrpSpPr/>
+        <p:nvPr/>
+      </p:nvGrpSpPr>
+      <p:grpSpPr>
+        <a:xfrm>
+          <a:off x="0" y="0"/>
+          <a:ext cx="0" cy="0"/>
+          <a:chOff x="0" y="0"/>
+          <a:chExt cx="0" cy="0"/>
+        </a:xfrm>
+      </p:grpSpPr>
+      <p:sp>
+        <p:nvSpPr>
+          <p:cNvPr id="2" name="Title 1">
+            <a:extLst>
+              <a:ext uri="{FF2B5EF4-FFF2-40B4-BE49-F238E27FC236}">
+                <a16:creationId xmlns:a16="http://schemas.microsoft.com/office/drawing/2014/main" id="{EE5E4163-33B9-F247-0639-F97762534CB1}"/>
+              </a:ext>
+            </a:extLst>
+          </p:cNvPr>
+          <p:cNvSpPr>
+            <a:spLocks noGrp="1"/>
+          </p:cNvSpPr>
+          <p:nvPr>
+            <p:ph type="title"/>
+          </p:nvPr>
+        </p:nvSpPr>
+        <p:spPr/>
+        <p:txBody>
+          <a:bodyPr/>
+          <a:lstStyle/>
+          <a:p>
+            <a:r>
+              <a:rPr lang="en-US" dirty="0"/>
+              <a:t>Phishing and URL Basics</a:t>
+            </a:r>
+          </a:p>
+        </p:txBody>
+      </p:sp>
+      <p:sp>
+        <p:nvSpPr>
+          <p:cNvPr id="3" name="Content Placeholder 2">
+            <a:extLst>
+              <a:ext uri="{FF2B5EF4-FFF2-40B4-BE49-F238E27FC236}">
+                <a16:creationId xmlns:a16="http://schemas.microsoft.com/office/drawing/2014/main" id="{12BE81E7-F324-B763-B097-18F3754FA2CA}"/>
+              </a:ext>
+            </a:extLst>
+          </p:cNvPr>
+          <p:cNvSpPr>
+            <a:spLocks noGrp="1"/>
+          </p:cNvSpPr>
+          <p:nvPr>
+            <p:ph idx="1"/>
+          </p:nvPr>
+        </p:nvSpPr>
+        <p:spPr/>
+        <p:txBody>
+          <a:bodyPr/>
+          <a:lstStyle/>
+          <a:p>
+            <a:r>
+              <a:rPr lang="en-US" dirty="0"/>
+              <a:t>Phishing – a form of social engineering where attackers deceive targets into revealing sensitive information or installing malware.</a:t>
+            </a:r>
+          </a:p>
+          <a:p>
+            <a:pPr lvl="1"/>
+            <a:r>
+              <a:rPr lang="en-US" dirty="0"/>
+              <a:t>Usually starts with an email but can be other forms such as chat messages</a:t>
+            </a:r>
+          </a:p>
+          <a:p>
+            <a:pPr lvl="1"/>
+            <a:r>
+              <a:rPr lang="en-US" dirty="0"/>
+              <a:t>Contain some kind of malicious URL</a:t>
+            </a:r>
+          </a:p>
+        </p:txBody>
+      </p:sp>
+    </p:spTree>
+    <p:extLst>
+      <p:ext uri="{BB962C8B-B14F-4D97-AF65-F5344CB8AC3E}">
+        <p14:creationId xmlns:p14="http://schemas.microsoft.com/office/powerpoint/2010/main" val="938482776"/>
+      </p:ext>
+    </p:extLst>
+  </p:cSld>
+  <p:clrMapOvr>
+    <a:masterClrMapping/>
+  </p:clrMapOvr>
+</p:sld>
+</file>
+
+<file path=ppt/slides/slide5.xml><?xml version="1.0" encoding="utf-8"?>
+<p:sld xmlns:a="http://schemas.openxmlformats.org/drawingml/2006/main" xmlns:r="http://schemas.openxmlformats.org/officeDocument/2006/relationships" xmlns:p="http://schemas.openxmlformats.org/presentationml/2006/main">
+  <p:cSld>
+    <p:spTree>
+      <p:nvGrpSpPr>
+        <p:cNvPr id="1" name=""/>
+        <p:cNvGrpSpPr/>
+        <p:nvPr/>
+      </p:nvGrpSpPr>
+      <p:grpSpPr>
+        <a:xfrm>
+          <a:off x="0" y="0"/>
+          <a:ext cx="0" cy="0"/>
+          <a:chOff x="0" y="0"/>
+          <a:chExt cx="0" cy="0"/>
+        </a:xfrm>
+      </p:grpSpPr>
+      <p:sp>
+        <p:nvSpPr>
+          <p:cNvPr id="2" name="Title 1">
+            <a:extLst>
+              <a:ext uri="{FF2B5EF4-FFF2-40B4-BE49-F238E27FC236}">
+                <a16:creationId xmlns:a16="http://schemas.microsoft.com/office/drawing/2014/main" id="{EE5E4163-33B9-F247-0639-F97762534CB1}"/>
+              </a:ext>
+            </a:extLst>
+          </p:cNvPr>
+          <p:cNvSpPr>
+            <a:spLocks noGrp="1"/>
+          </p:cNvSpPr>
+          <p:nvPr>
+            <p:ph type="title"/>
+          </p:nvPr>
+        </p:nvSpPr>
+        <p:spPr/>
+        <p:txBody>
+          <a:bodyPr/>
+          <a:lstStyle/>
+          <a:p>
+            <a:r>
+              <a:rPr lang="en-US" dirty="0"/>
+              <a:t>Phishing and URL Basics</a:t>
+            </a:r>
+          </a:p>
+        </p:txBody>
+      </p:sp>
+      <p:sp>
+        <p:nvSpPr>
+          <p:cNvPr id="3" name="Content Placeholder 2">
+            <a:extLst>
+              <a:ext uri="{FF2B5EF4-FFF2-40B4-BE49-F238E27FC236}">
+                <a16:creationId xmlns:a16="http://schemas.microsoft.com/office/drawing/2014/main" id="{12BE81E7-F324-B763-B097-18F3754FA2CA}"/>
+              </a:ext>
+            </a:extLst>
+          </p:cNvPr>
+          <p:cNvSpPr>
+            <a:spLocks noGrp="1"/>
+          </p:cNvSpPr>
+          <p:nvPr>
+            <p:ph idx="1"/>
+          </p:nvPr>
+        </p:nvSpPr>
+        <p:spPr/>
+        <p:txBody>
+          <a:bodyPr/>
+          <a:lstStyle/>
+          <a:p>
+            <a:r>
+              <a:rPr lang="en-US" dirty="0"/>
+              <a:t>URL – Uniform Resource Locator</a:t>
+            </a:r>
+          </a:p>
+          <a:p>
+            <a:pPr marL="0" indent="0">
+              <a:buNone/>
+            </a:pPr>
+            <a:endParaRPr lang="en-US" dirty="0"/>
+          </a:p>
+          <a:p>
+            <a:pPr marL="0" indent="0">
+              <a:buNone/>
+            </a:pPr>
+            <a:r>
+              <a:rPr lang="en-US" sz="2000" dirty="0"/>
+              <a:t>http://www.example.com:80/path/to/myfile.html?key1=value1&amp;key2=value2</a:t>
+            </a:r>
+          </a:p>
+        </p:txBody>
+      </p:sp>
+      <p:sp>
+        <p:nvSpPr>
+          <p:cNvPr id="4" name="Left Brace 3">
+            <a:extLst>
+              <a:ext uri="{FF2B5EF4-FFF2-40B4-BE49-F238E27FC236}">
+                <a16:creationId xmlns:a16="http://schemas.microsoft.com/office/drawing/2014/main" id="{974F363C-DA4C-247B-6594-16373D7E197B}"/>
+              </a:ext>
+            </a:extLst>
+          </p:cNvPr>
+          <p:cNvSpPr/>
+          <p:nvPr/>
+        </p:nvSpPr>
+        <p:spPr>
+          <a:xfrm rot="16200000">
+            <a:off x="2052367" y="2189986"/>
+            <a:ext cx="305411" cy="1985165"/>
+          </a:xfrm>
+          <a:prstGeom prst="leftBrace">
+            <a:avLst/>
+          </a:prstGeom>
+        </p:spPr>
+        <p:style>
+          <a:lnRef idx="1">
+            <a:schemeClr val="accent1"/>
+          </a:lnRef>
+          <a:fillRef idx="0">
+            <a:schemeClr val="accent1"/>
+          </a:fillRef>
+          <a:effectRef idx="0">
+            <a:schemeClr val="accent1"/>
+          </a:effectRef>
+          <a:fontRef idx="minor">
+            <a:schemeClr val="tx1"/>
+          </a:fontRef>
+        </p:style>
+        <p:txBody>
+          <a:bodyPr rtlCol="0" anchor="ctr"/>
+          <a:lstStyle/>
+          <a:p>
+            <a:pPr algn="ctr"/>
+            <a:endParaRPr lang="en-US"/>
+          </a:p>
+        </p:txBody>
+      </p:sp>
+      <p:sp>
+        <p:nvSpPr>
+          <p:cNvPr id="5" name="Left Brace 4">
+            <a:extLst>
+              <a:ext uri="{FF2B5EF4-FFF2-40B4-BE49-F238E27FC236}">
+                <a16:creationId xmlns:a16="http://schemas.microsoft.com/office/drawing/2014/main" id="{433F97E6-6917-E004-0400-ADBC35821B29}"/>
+              </a:ext>
+            </a:extLst>
+          </p:cNvPr>
+          <p:cNvSpPr/>
+          <p:nvPr/>
+        </p:nvSpPr>
+        <p:spPr>
+          <a:xfrm rot="16200000">
+            <a:off x="589317" y="2976369"/>
+            <a:ext cx="305411" cy="412397"/>
+          </a:xfrm>
+          <a:prstGeom prst="leftBrace">
+            <a:avLst/>
+          </a:prstGeom>
+        </p:spPr>
+        <p:style>
+          <a:lnRef idx="1">
+            <a:schemeClr val="accent1"/>
+          </a:lnRef>
+          <a:fillRef idx="0">
+            <a:schemeClr val="accent1"/>
+          </a:fillRef>
+          <a:effectRef idx="0">
+            <a:schemeClr val="accent1"/>
+          </a:effectRef>
+          <a:fontRef idx="minor">
+            <a:schemeClr val="tx1"/>
+          </a:fontRef>
+        </p:style>
+        <p:txBody>
+          <a:bodyPr rtlCol="0" anchor="ctr"/>
+          <a:lstStyle/>
+          <a:p>
+            <a:pPr algn="ctr"/>
+            <a:endParaRPr lang="en-US"/>
+          </a:p>
+        </p:txBody>
+      </p:sp>
+      <p:sp>
+        <p:nvSpPr>
+          <p:cNvPr id="6" name="Left Brace 5">
+            <a:extLst>
+              <a:ext uri="{FF2B5EF4-FFF2-40B4-BE49-F238E27FC236}">
+                <a16:creationId xmlns:a16="http://schemas.microsoft.com/office/drawing/2014/main" id="{34A8E793-85A8-EB05-8041-00E4EFA1CCA5}"/>
+              </a:ext>
+            </a:extLst>
+          </p:cNvPr>
+          <p:cNvSpPr/>
+          <p:nvPr/>
+        </p:nvSpPr>
+        <p:spPr>
+          <a:xfrm rot="16200000">
+            <a:off x="3197655" y="3029864"/>
+            <a:ext cx="305411" cy="305410"/>
+          </a:xfrm>
+          <a:prstGeom prst="leftBrace">
+            <a:avLst/>
+          </a:prstGeom>
+        </p:spPr>
+        <p:style>
+          <a:lnRef idx="1">
+            <a:schemeClr val="accent1"/>
+          </a:lnRef>
+          <a:fillRef idx="0">
+            <a:schemeClr val="accent1"/>
+          </a:fillRef>
+          <a:effectRef idx="0">
+            <a:schemeClr val="accent1"/>
+          </a:effectRef>
+          <a:fontRef idx="minor">
+            <a:schemeClr val="tx1"/>
+          </a:fontRef>
+        </p:style>
+        <p:txBody>
+          <a:bodyPr rtlCol="0" anchor="ctr"/>
+          <a:lstStyle/>
+          <a:p>
+            <a:pPr algn="ctr"/>
+            <a:endParaRPr lang="en-US"/>
+          </a:p>
+        </p:txBody>
+      </p:sp>
+      <p:sp>
+        <p:nvSpPr>
+          <p:cNvPr id="7" name="Left Brace 6">
+            <a:extLst>
+              <a:ext uri="{FF2B5EF4-FFF2-40B4-BE49-F238E27FC236}">
+                <a16:creationId xmlns:a16="http://schemas.microsoft.com/office/drawing/2014/main" id="{FAEB33A6-28A9-5ECF-7294-8C89CD7404CD}"/>
+              </a:ext>
+            </a:extLst>
+          </p:cNvPr>
+          <p:cNvSpPr/>
+          <p:nvPr/>
+        </p:nvSpPr>
+        <p:spPr>
+          <a:xfrm rot="16200000">
+            <a:off x="4457471" y="2151808"/>
+            <a:ext cx="305411" cy="2061519"/>
+          </a:xfrm>
+          <a:prstGeom prst="leftBrace">
+            <a:avLst/>
+          </a:prstGeom>
+        </p:spPr>
+        <p:style>
+          <a:lnRef idx="1">
+            <a:schemeClr val="accent1"/>
+          </a:lnRef>
+          <a:fillRef idx="0">
+            <a:schemeClr val="accent1"/>
+          </a:fillRef>
+          <a:effectRef idx="0">
+            <a:schemeClr val="accent1"/>
+          </a:effectRef>
+          <a:fontRef idx="minor">
+            <a:schemeClr val="tx1"/>
+          </a:fontRef>
+        </p:style>
+        <p:txBody>
+          <a:bodyPr rtlCol="0" anchor="ctr"/>
+          <a:lstStyle/>
+          <a:p>
+            <a:pPr algn="ctr"/>
+            <a:endParaRPr lang="en-US"/>
+          </a:p>
+        </p:txBody>
+      </p:sp>
+      <p:sp>
+        <p:nvSpPr>
+          <p:cNvPr id="9" name="Left Brace 8">
+            <a:extLst>
+              <a:ext uri="{FF2B5EF4-FFF2-40B4-BE49-F238E27FC236}">
+                <a16:creationId xmlns:a16="http://schemas.microsoft.com/office/drawing/2014/main" id="{7CB93AE1-A806-F982-7AB6-04170BEA0DF9}"/>
+              </a:ext>
+            </a:extLst>
+          </p:cNvPr>
+          <p:cNvSpPr/>
+          <p:nvPr/>
+        </p:nvSpPr>
+        <p:spPr>
+          <a:xfrm rot="16200000">
+            <a:off x="6964760" y="1757704"/>
+            <a:ext cx="305411" cy="2849728"/>
+          </a:xfrm>
+          <a:prstGeom prst="leftBrace">
+            <a:avLst/>
+          </a:prstGeom>
+        </p:spPr>
+        <p:style>
+          <a:lnRef idx="1">
+            <a:schemeClr val="accent1"/>
+          </a:lnRef>
+          <a:fillRef idx="0">
+            <a:schemeClr val="accent1"/>
+          </a:fillRef>
+          <a:effectRef idx="0">
+            <a:schemeClr val="accent1"/>
+          </a:effectRef>
+          <a:fontRef idx="minor">
+            <a:schemeClr val="tx1"/>
+          </a:fontRef>
+        </p:style>
+        <p:txBody>
+          <a:bodyPr rtlCol="0" anchor="ctr"/>
+          <a:lstStyle/>
+          <a:p>
+            <a:pPr algn="ctr"/>
+            <a:endParaRPr lang="en-US"/>
+          </a:p>
+        </p:txBody>
+      </p:sp>
+      <p:sp>
+        <p:nvSpPr>
+          <p:cNvPr id="10" name="TextBox 9">
+            <a:extLst>
+              <a:ext uri="{FF2B5EF4-FFF2-40B4-BE49-F238E27FC236}">
+                <a16:creationId xmlns:a16="http://schemas.microsoft.com/office/drawing/2014/main" id="{DCE7419D-0602-C826-3AAC-307AD5AB46E9}"/>
+              </a:ext>
+            </a:extLst>
+          </p:cNvPr>
+          <p:cNvSpPr txBox="1"/>
+          <p:nvPr/>
+        </p:nvSpPr>
+        <p:spPr>
+          <a:xfrm>
+            <a:off x="407635" y="3393877"/>
+            <a:ext cx="668773" cy="276999"/>
+          </a:xfrm>
+          <a:prstGeom prst="rect">
+            <a:avLst/>
+          </a:prstGeom>
+          <a:noFill/>
+        </p:spPr>
+        <p:txBody>
+          <a:bodyPr wrap="none" rtlCol="0">
+            <a:spAutoFit/>
+          </a:bodyPr>
+          <a:lstStyle/>
+          <a:p>
+            <a:r>
+              <a:rPr lang="en-US" sz="1200" dirty="0"/>
+              <a:t>scheme</a:t>
+            </a:r>
+            <a:endParaRPr lang="en-US" dirty="0"/>
+          </a:p>
+        </p:txBody>
+      </p:sp>
+      <p:sp>
+        <p:nvSpPr>
+          <p:cNvPr id="11" name="TextBox 10">
+            <a:extLst>
+              <a:ext uri="{FF2B5EF4-FFF2-40B4-BE49-F238E27FC236}">
+                <a16:creationId xmlns:a16="http://schemas.microsoft.com/office/drawing/2014/main" id="{B8F84D13-F481-5E98-A9C7-EFA78EC08045}"/>
+              </a:ext>
+            </a:extLst>
+          </p:cNvPr>
+          <p:cNvSpPr txBox="1"/>
+          <p:nvPr/>
+        </p:nvSpPr>
+        <p:spPr>
+          <a:xfrm>
+            <a:off x="1248816" y="3378487"/>
+            <a:ext cx="1896481" cy="307777"/>
+          </a:xfrm>
+          <a:prstGeom prst="rect">
+            <a:avLst/>
+          </a:prstGeom>
+          <a:noFill/>
+        </p:spPr>
+        <p:txBody>
+          <a:bodyPr wrap="none" rtlCol="0">
+            <a:spAutoFit/>
+          </a:bodyPr>
+          <a:lstStyle/>
+          <a:p>
+            <a:r>
+              <a:rPr lang="en-US" sz="1400" dirty="0"/>
+              <a:t>domain (w/subdomain)</a:t>
+            </a:r>
+          </a:p>
+        </p:txBody>
+      </p:sp>
+      <p:sp>
+        <p:nvSpPr>
+          <p:cNvPr id="12" name="TextBox 11">
+            <a:extLst>
+              <a:ext uri="{FF2B5EF4-FFF2-40B4-BE49-F238E27FC236}">
+                <a16:creationId xmlns:a16="http://schemas.microsoft.com/office/drawing/2014/main" id="{A8522AD9-A45A-AF9E-2CD8-DC459D6AB456}"/>
+              </a:ext>
+            </a:extLst>
+          </p:cNvPr>
+          <p:cNvSpPr txBox="1"/>
+          <p:nvPr/>
+        </p:nvSpPr>
+        <p:spPr>
+          <a:xfrm>
+            <a:off x="3128653" y="3389762"/>
+            <a:ext cx="450764" cy="276999"/>
+          </a:xfrm>
+          <a:prstGeom prst="rect">
+            <a:avLst/>
+          </a:prstGeom>
+          <a:noFill/>
+        </p:spPr>
+        <p:txBody>
+          <a:bodyPr wrap="none" rtlCol="0">
+            <a:spAutoFit/>
+          </a:bodyPr>
+          <a:lstStyle/>
+          <a:p>
+            <a:r>
+              <a:rPr lang="en-US" sz="1200" dirty="0"/>
+              <a:t>port</a:t>
+            </a:r>
+            <a:endParaRPr lang="en-US" dirty="0"/>
+          </a:p>
+        </p:txBody>
+      </p:sp>
+      <p:sp>
+        <p:nvSpPr>
+          <p:cNvPr id="13" name="TextBox 12">
+            <a:extLst>
+              <a:ext uri="{FF2B5EF4-FFF2-40B4-BE49-F238E27FC236}">
+                <a16:creationId xmlns:a16="http://schemas.microsoft.com/office/drawing/2014/main" id="{379E8C72-59D4-DBC7-C641-F90115ACA7CD}"/>
+              </a:ext>
+            </a:extLst>
+          </p:cNvPr>
+          <p:cNvSpPr txBox="1"/>
+          <p:nvPr/>
+        </p:nvSpPr>
+        <p:spPr>
+          <a:xfrm>
+            <a:off x="3835402" y="3383754"/>
+            <a:ext cx="1556773" cy="307777"/>
+          </a:xfrm>
+          <a:prstGeom prst="rect">
+            <a:avLst/>
+          </a:prstGeom>
+          <a:noFill/>
+        </p:spPr>
+        <p:txBody>
+          <a:bodyPr wrap="none" rtlCol="0">
+            <a:spAutoFit/>
+          </a:bodyPr>
+          <a:lstStyle/>
+          <a:p>
+            <a:r>
+              <a:rPr lang="en-US" sz="1400" dirty="0"/>
+              <a:t>path and file name</a:t>
+            </a:r>
+          </a:p>
+        </p:txBody>
+      </p:sp>
+      <p:sp>
+        <p:nvSpPr>
+          <p:cNvPr id="14" name="TextBox 13">
+            <a:extLst>
+              <a:ext uri="{FF2B5EF4-FFF2-40B4-BE49-F238E27FC236}">
+                <a16:creationId xmlns:a16="http://schemas.microsoft.com/office/drawing/2014/main" id="{D9E67B84-A28B-1CC3-DDDE-3B76A821E25B}"/>
+              </a:ext>
+            </a:extLst>
+          </p:cNvPr>
+          <p:cNvSpPr txBox="1"/>
+          <p:nvPr/>
+        </p:nvSpPr>
+        <p:spPr>
+          <a:xfrm>
+            <a:off x="6606748" y="3378487"/>
+            <a:ext cx="1021433" cy="307777"/>
+          </a:xfrm>
+          <a:prstGeom prst="rect">
+            <a:avLst/>
+          </a:prstGeom>
+          <a:noFill/>
+        </p:spPr>
+        <p:txBody>
+          <a:bodyPr wrap="none" rtlCol="0">
+            <a:spAutoFit/>
+          </a:bodyPr>
+          <a:lstStyle/>
+          <a:p>
+            <a:r>
+              <a:rPr lang="en-US" sz="1400" dirty="0"/>
+              <a:t>parameters</a:t>
+            </a:r>
+          </a:p>
+        </p:txBody>
+      </p:sp>
+    </p:spTree>
+    <p:extLst>
+      <p:ext uri="{BB962C8B-B14F-4D97-AF65-F5344CB8AC3E}">
+        <p14:creationId xmlns:p14="http://schemas.microsoft.com/office/powerpoint/2010/main" val="1764116639"/>
+      </p:ext>
+    </p:extLst>
+  </p:cSld>
+  <p:clrMapOvr>
+    <a:masterClrMapping/>
+  </p:clrMapOvr>
+</p:sld>
+</file>
+
+<file path=ppt/slides/slide6.xml><?xml version="1.0" encoding="utf-8"?>
+<p:sld xmlns:a="http://schemas.openxmlformats.org/drawingml/2006/main" xmlns:r="http://schemas.openxmlformats.org/officeDocument/2006/relationships" xmlns:p="http://schemas.openxmlformats.org/presentationml/2006/main">
+  <p:cSld>
+    <p:spTree>
+      <p:nvGrpSpPr>
+        <p:cNvPr id="1" name=""/>
+        <p:cNvGrpSpPr/>
+        <p:nvPr/>
+      </p:nvGrpSpPr>
+      <p:grpSpPr>
+        <a:xfrm>
+          <a:off x="0" y="0"/>
+          <a:ext cx="0" cy="0"/>
+          <a:chOff x="0" y="0"/>
+          <a:chExt cx="0" cy="0"/>
+        </a:xfrm>
+      </p:grpSpPr>
+      <p:sp>
+        <p:nvSpPr>
+          <p:cNvPr id="2" name="Title 1">
+            <a:extLst>
+              <a:ext uri="{FF2B5EF4-FFF2-40B4-BE49-F238E27FC236}">
+                <a16:creationId xmlns:a16="http://schemas.microsoft.com/office/drawing/2014/main" id="{EC6276EF-B8E3-BA72-D489-2B296553EA70}"/>
+              </a:ext>
+            </a:extLst>
+          </p:cNvPr>
+          <p:cNvSpPr>
+            <a:spLocks noGrp="1"/>
+          </p:cNvSpPr>
+          <p:nvPr>
+            <p:ph type="title"/>
+          </p:nvPr>
+        </p:nvSpPr>
+        <p:spPr/>
+        <p:txBody>
+          <a:bodyPr>
+            <a:normAutofit/>
+          </a:bodyPr>
+          <a:lstStyle/>
+          <a:p>
+            <a:r>
+              <a:rPr lang="en-US" dirty="0"/>
+              <a:t>Overview of Data</a:t>
+            </a:r>
+          </a:p>
+        </p:txBody>
+      </p:sp>
+      <p:sp>
+        <p:nvSpPr>
+          <p:cNvPr id="3" name="Content Placeholder 2">
+            <a:extLst>
+              <a:ext uri="{FF2B5EF4-FFF2-40B4-BE49-F238E27FC236}">
+                <a16:creationId xmlns:a16="http://schemas.microsoft.com/office/drawing/2014/main" id="{3225DC2C-7B6F-FE80-AB09-5C455C4EF9C2}"/>
+              </a:ext>
+            </a:extLst>
+          </p:cNvPr>
+          <p:cNvSpPr>
+            <a:spLocks noGrp="1"/>
+          </p:cNvSpPr>
+          <p:nvPr>
+            <p:ph idx="1"/>
+          </p:nvPr>
+        </p:nvSpPr>
+        <p:spPr/>
+        <p:txBody>
+          <a:bodyPr/>
+          <a:lstStyle/>
+          <a:p>
+            <a:r>
+              <a:rPr lang="en-US" dirty="0"/>
+              <a:t>Retrieved from https://github.com/GregaVrbancic/Phishing-Dataset</a:t>
+            </a:r>
+          </a:p>
+          <a:p>
+            <a:pPr lvl="1"/>
+            <a:r>
+              <a:rPr lang="en-US" sz="2400" dirty="0"/>
+              <a:t>Professor of Computer Science at University of Maribor (Slovenia)</a:t>
+            </a:r>
+          </a:p>
+          <a:p>
+            <a:pPr lvl="1"/>
+            <a:r>
+              <a:rPr lang="en-US" sz="2400" dirty="0"/>
+              <a:t>Used in cyber security research</a:t>
+            </a:r>
+          </a:p>
+        </p:txBody>
+      </p:sp>
+    </p:spTree>
+    <p:extLst>
+      <p:ext uri="{BB962C8B-B14F-4D97-AF65-F5344CB8AC3E}">
+        <p14:creationId xmlns:p14="http://schemas.microsoft.com/office/powerpoint/2010/main" val="2869919888"/>
+      </p:ext>
+    </p:extLst>
+  </p:cSld>
+  <p:clrMapOvr>
+    <a:masterClrMapping/>
+  </p:clrMapOvr>
+</p:sld>
+</file>
+
+<file path=ppt/slides/slide7.xml><?xml version="1.0" encoding="utf-8"?>
+<p:sld xmlns:a="http://schemas.openxmlformats.org/drawingml/2006/main" xmlns:r="http://schemas.openxmlformats.org/officeDocument/2006/relationships" xmlns:p="http://schemas.openxmlformats.org/presentationml/2006/main">
+  <p:cSld>
+    <p:spTree>
+      <p:nvGrpSpPr>
+        <p:cNvPr id="1" name=""/>
+        <p:cNvGrpSpPr/>
+        <p:nvPr/>
+      </p:nvGrpSpPr>
+      <p:grpSpPr>
+        <a:xfrm>
+          <a:off x="0" y="0"/>
+          <a:ext cx="0" cy="0"/>
+          <a:chOff x="0" y="0"/>
+          <a:chExt cx="0" cy="0"/>
+        </a:xfrm>
+      </p:grpSpPr>
+      <p:sp>
+        <p:nvSpPr>
+          <p:cNvPr id="2" name="Title 1">
+            <a:extLst>
+              <a:ext uri="{FF2B5EF4-FFF2-40B4-BE49-F238E27FC236}">
+                <a16:creationId xmlns:a16="http://schemas.microsoft.com/office/drawing/2014/main" id="{EC6276EF-B8E3-BA72-D489-2B296553EA70}"/>
+              </a:ext>
+            </a:extLst>
+          </p:cNvPr>
+          <p:cNvSpPr>
+            <a:spLocks noGrp="1"/>
+          </p:cNvSpPr>
+          <p:nvPr>
+            <p:ph type="title"/>
+          </p:nvPr>
+        </p:nvSpPr>
+        <p:spPr/>
+        <p:txBody>
+          <a:bodyPr>
+            <a:normAutofit/>
+          </a:bodyPr>
+          <a:lstStyle/>
+          <a:p>
+            <a:r>
+              <a:rPr lang="en-US" dirty="0"/>
+              <a:t>Overview of Data</a:t>
+            </a:r>
+          </a:p>
+        </p:txBody>
+      </p:sp>
+      <p:pic>
+        <p:nvPicPr>
+          <p:cNvPr id="10" name="Picture 9">
+            <a:extLst>
+              <a:ext uri="{FF2B5EF4-FFF2-40B4-BE49-F238E27FC236}">
+                <a16:creationId xmlns:a16="http://schemas.microsoft.com/office/drawing/2014/main" id="{E73DA395-46B0-79DF-892F-825F7C336F07}"/>
+              </a:ext>
+            </a:extLst>
+          </p:cNvPr>
+          <p:cNvPicPr>
+            <a:picLocks noChangeAspect="1"/>
+          </p:cNvPicPr>
+          <p:nvPr/>
+        </p:nvPicPr>
+        <p:blipFill>
+          <a:blip r:embed="rId3"/>
+          <a:stretch>
+            <a:fillRect/>
+          </a:stretch>
+        </p:blipFill>
+        <p:spPr>
+          <a:xfrm>
+            <a:off x="0" y="1502815"/>
+            <a:ext cx="4740218" cy="3640685"/>
+          </a:xfrm>
+          <a:prstGeom prst="rect">
+            <a:avLst/>
+          </a:prstGeom>
+        </p:spPr>
+      </p:pic>
+      <p:pic>
+        <p:nvPicPr>
+          <p:cNvPr id="12" name="Picture 11">
+            <a:extLst>
+              <a:ext uri="{FF2B5EF4-FFF2-40B4-BE49-F238E27FC236}">
+                <a16:creationId xmlns:a16="http://schemas.microsoft.com/office/drawing/2014/main" id="{D9A4D904-D85A-0031-D3EF-E7D406F83191}"/>
+              </a:ext>
+            </a:extLst>
+          </p:cNvPr>
+          <p:cNvPicPr>
+            <a:picLocks noChangeAspect="1"/>
+          </p:cNvPicPr>
+          <p:nvPr/>
+        </p:nvPicPr>
+        <p:blipFill>
+          <a:blip r:embed="rId4"/>
+          <a:stretch>
+            <a:fillRect/>
+          </a:stretch>
+        </p:blipFill>
+        <p:spPr>
+          <a:xfrm>
+            <a:off x="5182820" y="1495401"/>
+            <a:ext cx="3961180" cy="3640684"/>
+          </a:xfrm>
+          <a:prstGeom prst="rect">
+            <a:avLst/>
+          </a:prstGeom>
+        </p:spPr>
+      </p:pic>
+    </p:spTree>
+    <p:extLst>
+      <p:ext uri="{BB962C8B-B14F-4D97-AF65-F5344CB8AC3E}">
+        <p14:creationId xmlns:p14="http://schemas.microsoft.com/office/powerpoint/2010/main" val="3483710927"/>
+      </p:ext>
+    </p:extLst>
+  </p:cSld>
+  <p:clrMapOvr>
+    <a:masterClrMapping/>
+  </p:clrMapOvr>
+</p:sld>
+</file>
+
+<file path=ppt/slides/slide8.xml><?xml version="1.0" encoding="utf-8"?>
+<p:sld xmlns:a="http://schemas.openxmlformats.org/drawingml/2006/main" xmlns:r="http://schemas.openxmlformats.org/officeDocument/2006/relationships" xmlns:p="http://schemas.openxmlformats.org/presentationml/2006/main">
+  <p:cSld>
+    <p:spTree>
+      <p:nvGrpSpPr>
+        <p:cNvPr id="1" name=""/>
+        <p:cNvGrpSpPr/>
+        <p:nvPr/>
+      </p:nvGrpSpPr>
+      <p:grpSpPr>
+        <a:xfrm>
+          <a:off x="0" y="0"/>
+          <a:ext cx="0" cy="0"/>
+          <a:chOff x="0" y="0"/>
+          <a:chExt cx="0" cy="0"/>
+        </a:xfrm>
+      </p:grpSpPr>
+      <p:sp>
+        <p:nvSpPr>
+          <p:cNvPr id="2" name="Title 1">
+            <a:extLst>
+              <a:ext uri="{FF2B5EF4-FFF2-40B4-BE49-F238E27FC236}">
+                <a16:creationId xmlns:a16="http://schemas.microsoft.com/office/drawing/2014/main" id="{EC6276EF-B8E3-BA72-D489-2B296553EA70}"/>
+              </a:ext>
+            </a:extLst>
+          </p:cNvPr>
+          <p:cNvSpPr>
+            <a:spLocks noGrp="1"/>
+          </p:cNvSpPr>
+          <p:nvPr>
+            <p:ph type="title"/>
+          </p:nvPr>
+        </p:nvSpPr>
+        <p:spPr/>
+        <p:txBody>
+          <a:bodyPr>
+            <a:normAutofit/>
+          </a:bodyPr>
+          <a:lstStyle/>
+          <a:p>
+            <a:r>
+              <a:rPr lang="en-US" dirty="0"/>
+              <a:t>Overview of Data</a:t>
+            </a:r>
+          </a:p>
+        </p:txBody>
+      </p:sp>
+      <p:sp>
+        <p:nvSpPr>
+          <p:cNvPr id="3" name="Content Placeholder 2">
+            <a:extLst>
+              <a:ext uri="{FF2B5EF4-FFF2-40B4-BE49-F238E27FC236}">
+                <a16:creationId xmlns:a16="http://schemas.microsoft.com/office/drawing/2014/main" id="{3225DC2C-7B6F-FE80-AB09-5C455C4EF9C2}"/>
+              </a:ext>
+            </a:extLst>
+          </p:cNvPr>
+          <p:cNvSpPr>
+            <a:spLocks noGrp="1"/>
+          </p:cNvSpPr>
+          <p:nvPr>
+            <p:ph idx="1"/>
+          </p:nvPr>
+        </p:nvSpPr>
+        <p:spPr/>
+        <p:txBody>
+          <a:bodyPr>
+            <a:normAutofit/>
+          </a:bodyPr>
+          <a:lstStyle/>
+          <a:p>
+            <a:r>
+              <a:rPr lang="en-US" dirty="0"/>
+              <a:t>Original data</a:t>
+            </a:r>
+          </a:p>
+          <a:p>
+            <a:pPr lvl="1"/>
+            <a:r>
+              <a:rPr lang="en-US" sz="2400" dirty="0"/>
+              <a:t>112 columns</a:t>
+            </a:r>
+          </a:p>
+          <a:p>
+            <a:pPr lvl="2"/>
+            <a:r>
+              <a:rPr lang="en-US" sz="2000" dirty="0"/>
+              <a:t>Count of various attributes of URL</a:t>
+            </a:r>
+          </a:p>
+          <a:p>
+            <a:pPr lvl="3"/>
+            <a:r>
+              <a:rPr lang="en-US" sz="1600" dirty="0"/>
+              <a:t>For URL, domain, directory, file, parameters</a:t>
+            </a:r>
+          </a:p>
+          <a:p>
+            <a:pPr lvl="3"/>
+            <a:r>
+              <a:rPr lang="en-US" sz="1600" dirty="0"/>
+              <a:t>’@’, ‘&amp;’, ‘?’, ‘/’, ‘%’, etc.</a:t>
+            </a:r>
+          </a:p>
+          <a:p>
+            <a:pPr lvl="2"/>
+            <a:r>
+              <a:rPr lang="en-US" sz="2000" dirty="0"/>
+              <a:t>Other</a:t>
+            </a:r>
+          </a:p>
+          <a:p>
+            <a:pPr lvl="3"/>
+            <a:r>
+              <a:rPr lang="en-US" sz="1600" dirty="0"/>
+              <a:t>Time domain activation, qty nameservers, </a:t>
+            </a:r>
+            <a:r>
+              <a:rPr lang="en-US" sz="1600" dirty="0" err="1"/>
+              <a:t>tls</a:t>
+            </a:r>
+            <a:r>
+              <a:rPr lang="en-US" sz="1600" dirty="0"/>
+              <a:t>/</a:t>
+            </a:r>
+            <a:r>
+              <a:rPr lang="en-US" sz="1600" dirty="0" err="1"/>
+              <a:t>ssl</a:t>
+            </a:r>
+            <a:r>
+              <a:rPr lang="en-US" sz="1600" dirty="0"/>
+              <a:t> certificate, qty redirects, etc.</a:t>
+            </a:r>
+          </a:p>
+          <a:p>
+            <a:pPr lvl="3"/>
+            <a:r>
+              <a:rPr lang="en-US" sz="1600" dirty="0"/>
+              <a:t>Phishing indicator</a:t>
+            </a:r>
+          </a:p>
+        </p:txBody>
+      </p:sp>
+    </p:spTree>
+    <p:extLst>
+      <p:ext uri="{BB962C8B-B14F-4D97-AF65-F5344CB8AC3E}">
+        <p14:creationId xmlns:p14="http://schemas.microsoft.com/office/powerpoint/2010/main" val="2785227868"/>
+      </p:ext>
+    </p:extLst>
+  </p:cSld>
+  <p:clrMapOvr>
+    <a:masterClrMapping/>
+  </p:clrMapOvr>
+</p:sld>
+</file>
+
+<file path=ppt/slides/slide9.xml><?xml version="1.0" encoding="utf-8"?>
+<p:sld xmlns:a="http://schemas.openxmlformats.org/drawingml/2006/main" xmlns:r="http://schemas.openxmlformats.org/officeDocument/2006/relationships" xmlns:p="http://schemas.openxmlformats.org/presentationml/2006/main">
+  <p:cSld>
+    <p:spTree>
+      <p:nvGrpSpPr>
+        <p:cNvPr id="1" name=""/>
+        <p:cNvGrpSpPr/>
+        <p:nvPr/>
+      </p:nvGrpSpPr>
+      <p:grpSpPr>
+        <a:xfrm>
+          <a:off x="0" y="0"/>
+          <a:ext cx="0" cy="0"/>
+          <a:chOff x="0" y="0"/>
+          <a:chExt cx="0" cy="0"/>
+        </a:xfrm>
+      </p:grpSpPr>
+      <p:sp>
+        <p:nvSpPr>
+          <p:cNvPr id="2" name="Title 1">
+            <a:extLst>
+              <a:ext uri="{FF2B5EF4-FFF2-40B4-BE49-F238E27FC236}">
+                <a16:creationId xmlns:a16="http://schemas.microsoft.com/office/drawing/2014/main" id="{14106661-6219-88CE-E4AA-1BB1153AE203}"/>
+              </a:ext>
+            </a:extLst>
+          </p:cNvPr>
+          <p:cNvSpPr>
+            <a:spLocks noGrp="1"/>
+          </p:cNvSpPr>
+          <p:nvPr>
+            <p:ph type="title"/>
+          </p:nvPr>
+        </p:nvSpPr>
+        <p:spPr/>
+        <p:txBody>
+          <a:bodyPr>
+            <a:normAutofit/>
+          </a:bodyPr>
+          <a:lstStyle/>
+          <a:p>
+            <a:r>
+              <a:rPr lang="en-US" dirty="0"/>
+              <a:t>Basic Analysis and Clean Up</a:t>
+            </a:r>
+          </a:p>
+        </p:txBody>
+      </p:sp>
+      <p:pic>
+        <p:nvPicPr>
+          <p:cNvPr id="13" name="Content Placeholder 12">
+            <a:extLst>
+              <a:ext uri="{FF2B5EF4-FFF2-40B4-BE49-F238E27FC236}">
+                <a16:creationId xmlns:a16="http://schemas.microsoft.com/office/drawing/2014/main" id="{A1C4B635-045B-5E2F-67FA-B1E73E7711B0}"/>
+              </a:ext>
+            </a:extLst>
+          </p:cNvPr>
+          <p:cNvPicPr>
+            <a:picLocks noGrp="1" noChangeAspect="1"/>
+          </p:cNvPicPr>
+          <p:nvPr>
+            <p:ph idx="1"/>
+          </p:nvPr>
+        </p:nvPicPr>
+        <p:blipFill>
+          <a:blip r:embed="rId2"/>
+          <a:stretch>
+            <a:fillRect/>
+          </a:stretch>
+        </p:blipFill>
+        <p:spPr>
+          <a:xfrm>
+            <a:off x="1500926" y="1502815"/>
+            <a:ext cx="5665457" cy="3512098"/>
+          </a:xfrm>
+          <a:prstGeom prst="rect">
+            <a:avLst/>
+          </a:prstGeom>
+        </p:spPr>
+      </p:pic>
+    </p:spTree>
+    <p:extLst>
+      <p:ext uri="{BB962C8B-B14F-4D97-AF65-F5344CB8AC3E}">
+        <p14:creationId xmlns:p14="http://schemas.microsoft.com/office/powerpoint/2010/main" val="2107057189"/>
       </p:ext>
     </p:extLst>
   </p:cSld>
